--- a/09.pptx
+++ b/09.pptx
@@ -215,7 +215,7 @@
           <a:p>
             <a:fld id="{AA93C23F-80D8-41F7-A602-5BAA4D96D6F7}" type="datetimeFigureOut">
               <a:rPr lang="ko-KR" altLang="en-US" smtClean="0"/>
-              <a:t>2019-12-21</a:t>
+              <a:t>2025-03-15</a:t>
             </a:fld>
             <a:endParaRPr lang="ko-KR" altLang="en-US"/>
           </a:p>
@@ -1005,7 +1005,7 @@
           <a:p>
             <a:fld id="{AA93C23F-80D8-41F7-A602-5BAA4D96D6F7}" type="datetimeFigureOut">
               <a:rPr lang="ko-KR" altLang="en-US" smtClean="0"/>
-              <a:t>2019-12-21</a:t>
+              <a:t>2025-03-15</a:t>
             </a:fld>
             <a:endParaRPr lang="ko-KR" altLang="en-US"/>
           </a:p>
@@ -1173,7 +1173,7 @@
           <a:p>
             <a:fld id="{AA93C23F-80D8-41F7-A602-5BAA4D96D6F7}" type="datetimeFigureOut">
               <a:rPr lang="ko-KR" altLang="en-US" smtClean="0"/>
-              <a:t>2019-12-21</a:t>
+              <a:t>2025-03-15</a:t>
             </a:fld>
             <a:endParaRPr lang="ko-KR" altLang="en-US"/>
           </a:p>
@@ -1351,7 +1351,7 @@
           <a:p>
             <a:fld id="{AA93C23F-80D8-41F7-A602-5BAA4D96D6F7}" type="datetimeFigureOut">
               <a:rPr lang="ko-KR" altLang="en-US" smtClean="0"/>
-              <a:t>2019-12-21</a:t>
+              <a:t>2025-03-15</a:t>
             </a:fld>
             <a:endParaRPr lang="ko-KR" altLang="en-US"/>
           </a:p>
@@ -1535,7 +1535,7 @@
           <a:p>
             <a:fld id="{AA93C23F-80D8-41F7-A602-5BAA4D96D6F7}" type="datetimeFigureOut">
               <a:rPr lang="ko-KR" altLang="en-US" smtClean="0"/>
-              <a:t>2019-12-21</a:t>
+              <a:t>2025-03-15</a:t>
             </a:fld>
             <a:endParaRPr lang="ko-KR" altLang="en-US"/>
           </a:p>
@@ -1780,7 +1780,7 @@
           <a:p>
             <a:fld id="{AA93C23F-80D8-41F7-A602-5BAA4D96D6F7}" type="datetimeFigureOut">
               <a:rPr lang="ko-KR" altLang="en-US" smtClean="0"/>
-              <a:t>2019-12-21</a:t>
+              <a:t>2025-03-15</a:t>
             </a:fld>
             <a:endParaRPr lang="ko-KR" altLang="en-US"/>
           </a:p>
@@ -2009,7 +2009,7 @@
           <a:p>
             <a:fld id="{AA93C23F-80D8-41F7-A602-5BAA4D96D6F7}" type="datetimeFigureOut">
               <a:rPr lang="ko-KR" altLang="en-US" smtClean="0"/>
-              <a:t>2019-12-21</a:t>
+              <a:t>2025-03-15</a:t>
             </a:fld>
             <a:endParaRPr lang="ko-KR" altLang="en-US"/>
           </a:p>
@@ -2373,7 +2373,7 @@
           <a:p>
             <a:fld id="{AA93C23F-80D8-41F7-A602-5BAA4D96D6F7}" type="datetimeFigureOut">
               <a:rPr lang="ko-KR" altLang="en-US" smtClean="0"/>
-              <a:t>2019-12-21</a:t>
+              <a:t>2025-03-15</a:t>
             </a:fld>
             <a:endParaRPr lang="ko-KR" altLang="en-US"/>
           </a:p>
@@ -2490,7 +2490,7 @@
           <a:p>
             <a:fld id="{AA93C23F-80D8-41F7-A602-5BAA4D96D6F7}" type="datetimeFigureOut">
               <a:rPr lang="ko-KR" altLang="en-US" smtClean="0"/>
-              <a:t>2019-12-21</a:t>
+              <a:t>2025-03-15</a:t>
             </a:fld>
             <a:endParaRPr lang="ko-KR" altLang="en-US"/>
           </a:p>
@@ -2764,7 +2764,7 @@
                 <a:tabLst/>
                 <a:defRPr/>
               </a:pPr>
-              <a:t>2019-12-21</a:t>
+              <a:t>2025-03-15</a:t>
             </a:fld>
             <a:endParaRPr kumimoji="0" lang="ko-KR" altLang="en-US" sz="1200" b="0" i="0" u="none" strike="noStrike" kern="1200" cap="none" spc="0" normalizeH="0" baseline="0" noProof="0">
               <a:ln>
@@ -2982,7 +2982,7 @@
           <a:p>
             <a:fld id="{AA93C23F-80D8-41F7-A602-5BAA4D96D6F7}" type="datetimeFigureOut">
               <a:rPr lang="ko-KR" altLang="en-US" smtClean="0"/>
-              <a:t>2019-12-21</a:t>
+              <a:t>2025-03-15</a:t>
             </a:fld>
             <a:endParaRPr lang="ko-KR" altLang="en-US"/>
           </a:p>
@@ -3257,7 +3257,7 @@
           <a:p>
             <a:fld id="{AA93C23F-80D8-41F7-A602-5BAA4D96D6F7}" type="datetimeFigureOut">
               <a:rPr lang="ko-KR" altLang="en-US" smtClean="0"/>
-              <a:t>2019-12-21</a:t>
+              <a:t>2025-03-15</a:t>
             </a:fld>
             <a:endParaRPr lang="ko-KR" altLang="en-US"/>
           </a:p>
@@ -3468,7 +3468,7 @@
           <a:p>
             <a:fld id="{AA93C23F-80D8-41F7-A602-5BAA4D96D6F7}" type="datetimeFigureOut">
               <a:rPr lang="ko-KR" altLang="en-US" smtClean="0"/>
-              <a:t>2019-12-21</a:t>
+              <a:t>2025-03-15</a:t>
             </a:fld>
             <a:endParaRPr lang="ko-KR" altLang="en-US"/>
           </a:p>
@@ -5817,6 +5817,144 @@
           </a:prstGeom>
         </p:spPr>
       </p:pic>
+      <p:sp>
+        <p:nvSpPr>
+          <p:cNvPr id="8" name="TextBox 5">
+            <a:extLst>
+              <a:ext uri="{FF2B5EF4-FFF2-40B4-BE49-F238E27FC236}">
+                <a16:creationId xmlns:a16="http://schemas.microsoft.com/office/drawing/2014/main" id="{F143188C-5C09-4719-8A73-821F03F8661C}"/>
+              </a:ext>
+            </a:extLst>
+          </p:cNvPr>
+          <p:cNvSpPr txBox="1"/>
+          <p:nvPr/>
+        </p:nvSpPr>
+        <p:spPr>
+          <a:xfrm>
+            <a:off x="11072646" y="394972"/>
+            <a:ext cx="667170" cy="338554"/>
+          </a:xfrm>
+          <a:prstGeom prst="rect">
+            <a:avLst/>
+          </a:prstGeom>
+          <a:noFill/>
+        </p:spPr>
+        <p:txBody>
+          <a:bodyPr wrap="none" rtlCol="0">
+            <a:spAutoFit/>
+          </a:bodyPr>
+          <a:lstStyle>
+            <a:defPPr>
+              <a:defRPr lang="ko-KR"/>
+            </a:defPPr>
+            <a:lvl1pPr marL="0" algn="l" defTabSz="914400" rtl="0" eaLnBrk="1" latinLnBrk="1" hangingPunct="1">
+              <a:defRPr sz="1800" kern="1200">
+                <a:solidFill>
+                  <a:schemeClr val="tx1"/>
+                </a:solidFill>
+                <a:latin typeface="+mn-lt"/>
+                <a:ea typeface="+mn-ea"/>
+                <a:cs typeface="+mn-cs"/>
+              </a:defRPr>
+            </a:lvl1pPr>
+            <a:lvl2pPr marL="457200" algn="l" defTabSz="914400" rtl="0" eaLnBrk="1" latinLnBrk="1" hangingPunct="1">
+              <a:defRPr sz="1800" kern="1200">
+                <a:solidFill>
+                  <a:schemeClr val="tx1"/>
+                </a:solidFill>
+                <a:latin typeface="+mn-lt"/>
+                <a:ea typeface="+mn-ea"/>
+                <a:cs typeface="+mn-cs"/>
+              </a:defRPr>
+            </a:lvl2pPr>
+            <a:lvl3pPr marL="914400" algn="l" defTabSz="914400" rtl="0" eaLnBrk="1" latinLnBrk="1" hangingPunct="1">
+              <a:defRPr sz="1800" kern="1200">
+                <a:solidFill>
+                  <a:schemeClr val="tx1"/>
+                </a:solidFill>
+                <a:latin typeface="+mn-lt"/>
+                <a:ea typeface="+mn-ea"/>
+                <a:cs typeface="+mn-cs"/>
+              </a:defRPr>
+            </a:lvl3pPr>
+            <a:lvl4pPr marL="1371600" algn="l" defTabSz="914400" rtl="0" eaLnBrk="1" latinLnBrk="1" hangingPunct="1">
+              <a:defRPr sz="1800" kern="1200">
+                <a:solidFill>
+                  <a:schemeClr val="tx1"/>
+                </a:solidFill>
+                <a:latin typeface="+mn-lt"/>
+                <a:ea typeface="+mn-ea"/>
+                <a:cs typeface="+mn-cs"/>
+              </a:defRPr>
+            </a:lvl4pPr>
+            <a:lvl5pPr marL="1828800" algn="l" defTabSz="914400" rtl="0" eaLnBrk="1" latinLnBrk="1" hangingPunct="1">
+              <a:defRPr sz="1800" kern="1200">
+                <a:solidFill>
+                  <a:schemeClr val="tx1"/>
+                </a:solidFill>
+                <a:latin typeface="+mn-lt"/>
+                <a:ea typeface="+mn-ea"/>
+                <a:cs typeface="+mn-cs"/>
+              </a:defRPr>
+            </a:lvl5pPr>
+            <a:lvl6pPr marL="2286000" algn="l" defTabSz="914400" rtl="0" eaLnBrk="1" latinLnBrk="1" hangingPunct="1">
+              <a:defRPr sz="1800" kern="1200">
+                <a:solidFill>
+                  <a:schemeClr val="tx1"/>
+                </a:solidFill>
+                <a:latin typeface="+mn-lt"/>
+                <a:ea typeface="+mn-ea"/>
+                <a:cs typeface="+mn-cs"/>
+              </a:defRPr>
+            </a:lvl6pPr>
+            <a:lvl7pPr marL="2743200" algn="l" defTabSz="914400" rtl="0" eaLnBrk="1" latinLnBrk="1" hangingPunct="1">
+              <a:defRPr sz="1800" kern="1200">
+                <a:solidFill>
+                  <a:schemeClr val="tx1"/>
+                </a:solidFill>
+                <a:latin typeface="+mn-lt"/>
+                <a:ea typeface="+mn-ea"/>
+                <a:cs typeface="+mn-cs"/>
+              </a:defRPr>
+            </a:lvl7pPr>
+            <a:lvl8pPr marL="3200400" algn="l" defTabSz="914400" rtl="0" eaLnBrk="1" latinLnBrk="1" hangingPunct="1">
+              <a:defRPr sz="1800" kern="1200">
+                <a:solidFill>
+                  <a:schemeClr val="tx1"/>
+                </a:solidFill>
+                <a:latin typeface="+mn-lt"/>
+                <a:ea typeface="+mn-ea"/>
+                <a:cs typeface="+mn-cs"/>
+              </a:defRPr>
+            </a:lvl8pPr>
+            <a:lvl9pPr marL="3657600" algn="l" defTabSz="914400" rtl="0" eaLnBrk="1" latinLnBrk="1" hangingPunct="1">
+              <a:defRPr sz="1800" kern="1200">
+                <a:solidFill>
+                  <a:schemeClr val="tx1"/>
+                </a:solidFill>
+                <a:latin typeface="+mn-lt"/>
+                <a:ea typeface="+mn-ea"/>
+                <a:cs typeface="+mn-cs"/>
+              </a:defRPr>
+            </a:lvl9pPr>
+          </a:lstStyle>
+          <a:p>
+            <a:r>
+              <a:rPr lang="en-US" altLang="ko-KR" sz="1600" b="1" dirty="0">
+                <a:solidFill>
+                  <a:schemeClr val="bg1"/>
+                </a:solidFill>
+              </a:rPr>
+              <a:t>P343</a:t>
+            </a:r>
+            <a:endParaRPr lang="ko-KR" altLang="en-US" sz="1600" b="1" dirty="0">
+              <a:solidFill>
+                <a:schemeClr val="bg1"/>
+              </a:solidFill>
+            </a:endParaRPr>
+          </a:p>
+        </p:txBody>
+      </p:sp>
     </p:spTree>
     <p:extLst>
       <p:ext uri="{BB962C8B-B14F-4D97-AF65-F5344CB8AC3E}">
@@ -6571,6 +6709,144 @@
           </a:prstGeom>
         </p:spPr>
       </p:pic>
+      <p:sp>
+        <p:nvSpPr>
+          <p:cNvPr id="8" name="TextBox 5">
+            <a:extLst>
+              <a:ext uri="{FF2B5EF4-FFF2-40B4-BE49-F238E27FC236}">
+                <a16:creationId xmlns:a16="http://schemas.microsoft.com/office/drawing/2014/main" id="{FAF321EA-0E02-4715-82B5-C1789186DCC1}"/>
+              </a:ext>
+            </a:extLst>
+          </p:cNvPr>
+          <p:cNvSpPr txBox="1"/>
+          <p:nvPr/>
+        </p:nvSpPr>
+        <p:spPr>
+          <a:xfrm>
+            <a:off x="11072646" y="394972"/>
+            <a:ext cx="667170" cy="338554"/>
+          </a:xfrm>
+          <a:prstGeom prst="rect">
+            <a:avLst/>
+          </a:prstGeom>
+          <a:noFill/>
+        </p:spPr>
+        <p:txBody>
+          <a:bodyPr wrap="none" rtlCol="0">
+            <a:spAutoFit/>
+          </a:bodyPr>
+          <a:lstStyle>
+            <a:defPPr>
+              <a:defRPr lang="ko-KR"/>
+            </a:defPPr>
+            <a:lvl1pPr marL="0" algn="l" defTabSz="914400" rtl="0" eaLnBrk="1" latinLnBrk="1" hangingPunct="1">
+              <a:defRPr sz="1800" kern="1200">
+                <a:solidFill>
+                  <a:schemeClr val="tx1"/>
+                </a:solidFill>
+                <a:latin typeface="+mn-lt"/>
+                <a:ea typeface="+mn-ea"/>
+                <a:cs typeface="+mn-cs"/>
+              </a:defRPr>
+            </a:lvl1pPr>
+            <a:lvl2pPr marL="457200" algn="l" defTabSz="914400" rtl="0" eaLnBrk="1" latinLnBrk="1" hangingPunct="1">
+              <a:defRPr sz="1800" kern="1200">
+                <a:solidFill>
+                  <a:schemeClr val="tx1"/>
+                </a:solidFill>
+                <a:latin typeface="+mn-lt"/>
+                <a:ea typeface="+mn-ea"/>
+                <a:cs typeface="+mn-cs"/>
+              </a:defRPr>
+            </a:lvl2pPr>
+            <a:lvl3pPr marL="914400" algn="l" defTabSz="914400" rtl="0" eaLnBrk="1" latinLnBrk="1" hangingPunct="1">
+              <a:defRPr sz="1800" kern="1200">
+                <a:solidFill>
+                  <a:schemeClr val="tx1"/>
+                </a:solidFill>
+                <a:latin typeface="+mn-lt"/>
+                <a:ea typeface="+mn-ea"/>
+                <a:cs typeface="+mn-cs"/>
+              </a:defRPr>
+            </a:lvl3pPr>
+            <a:lvl4pPr marL="1371600" algn="l" defTabSz="914400" rtl="0" eaLnBrk="1" latinLnBrk="1" hangingPunct="1">
+              <a:defRPr sz="1800" kern="1200">
+                <a:solidFill>
+                  <a:schemeClr val="tx1"/>
+                </a:solidFill>
+                <a:latin typeface="+mn-lt"/>
+                <a:ea typeface="+mn-ea"/>
+                <a:cs typeface="+mn-cs"/>
+              </a:defRPr>
+            </a:lvl4pPr>
+            <a:lvl5pPr marL="1828800" algn="l" defTabSz="914400" rtl="0" eaLnBrk="1" latinLnBrk="1" hangingPunct="1">
+              <a:defRPr sz="1800" kern="1200">
+                <a:solidFill>
+                  <a:schemeClr val="tx1"/>
+                </a:solidFill>
+                <a:latin typeface="+mn-lt"/>
+                <a:ea typeface="+mn-ea"/>
+                <a:cs typeface="+mn-cs"/>
+              </a:defRPr>
+            </a:lvl5pPr>
+            <a:lvl6pPr marL="2286000" algn="l" defTabSz="914400" rtl="0" eaLnBrk="1" latinLnBrk="1" hangingPunct="1">
+              <a:defRPr sz="1800" kern="1200">
+                <a:solidFill>
+                  <a:schemeClr val="tx1"/>
+                </a:solidFill>
+                <a:latin typeface="+mn-lt"/>
+                <a:ea typeface="+mn-ea"/>
+                <a:cs typeface="+mn-cs"/>
+              </a:defRPr>
+            </a:lvl6pPr>
+            <a:lvl7pPr marL="2743200" algn="l" defTabSz="914400" rtl="0" eaLnBrk="1" latinLnBrk="1" hangingPunct="1">
+              <a:defRPr sz="1800" kern="1200">
+                <a:solidFill>
+                  <a:schemeClr val="tx1"/>
+                </a:solidFill>
+                <a:latin typeface="+mn-lt"/>
+                <a:ea typeface="+mn-ea"/>
+                <a:cs typeface="+mn-cs"/>
+              </a:defRPr>
+            </a:lvl7pPr>
+            <a:lvl8pPr marL="3200400" algn="l" defTabSz="914400" rtl="0" eaLnBrk="1" latinLnBrk="1" hangingPunct="1">
+              <a:defRPr sz="1800" kern="1200">
+                <a:solidFill>
+                  <a:schemeClr val="tx1"/>
+                </a:solidFill>
+                <a:latin typeface="+mn-lt"/>
+                <a:ea typeface="+mn-ea"/>
+                <a:cs typeface="+mn-cs"/>
+              </a:defRPr>
+            </a:lvl8pPr>
+            <a:lvl9pPr marL="3657600" algn="l" defTabSz="914400" rtl="0" eaLnBrk="1" latinLnBrk="1" hangingPunct="1">
+              <a:defRPr sz="1800" kern="1200">
+                <a:solidFill>
+                  <a:schemeClr val="tx1"/>
+                </a:solidFill>
+                <a:latin typeface="+mn-lt"/>
+                <a:ea typeface="+mn-ea"/>
+                <a:cs typeface="+mn-cs"/>
+              </a:defRPr>
+            </a:lvl9pPr>
+          </a:lstStyle>
+          <a:p>
+            <a:r>
+              <a:rPr lang="en-US" altLang="ko-KR" sz="1600" b="1" dirty="0">
+                <a:solidFill>
+                  <a:schemeClr val="bg1"/>
+                </a:solidFill>
+              </a:rPr>
+              <a:t>P344</a:t>
+            </a:r>
+            <a:endParaRPr lang="ko-KR" altLang="en-US" sz="1600" b="1" dirty="0">
+              <a:solidFill>
+                <a:schemeClr val="bg1"/>
+              </a:solidFill>
+            </a:endParaRPr>
+          </a:p>
+        </p:txBody>
+      </p:sp>
     </p:spTree>
     <p:extLst>
       <p:ext uri="{BB962C8B-B14F-4D97-AF65-F5344CB8AC3E}">
@@ -7901,6 +8177,144 @@
           </a:prstGeom>
         </p:spPr>
       </p:pic>
+      <p:sp>
+        <p:nvSpPr>
+          <p:cNvPr id="18" name="TextBox 5">
+            <a:extLst>
+              <a:ext uri="{FF2B5EF4-FFF2-40B4-BE49-F238E27FC236}">
+                <a16:creationId xmlns:a16="http://schemas.microsoft.com/office/drawing/2014/main" id="{1373B5B1-0660-4291-BCCA-F3B2B9503FA5}"/>
+              </a:ext>
+            </a:extLst>
+          </p:cNvPr>
+          <p:cNvSpPr txBox="1"/>
+          <p:nvPr/>
+        </p:nvSpPr>
+        <p:spPr>
+          <a:xfrm>
+            <a:off x="11072646" y="394972"/>
+            <a:ext cx="667170" cy="338554"/>
+          </a:xfrm>
+          <a:prstGeom prst="rect">
+            <a:avLst/>
+          </a:prstGeom>
+          <a:noFill/>
+        </p:spPr>
+        <p:txBody>
+          <a:bodyPr wrap="none" rtlCol="0">
+            <a:spAutoFit/>
+          </a:bodyPr>
+          <a:lstStyle>
+            <a:defPPr>
+              <a:defRPr lang="ko-KR"/>
+            </a:defPPr>
+            <a:lvl1pPr marL="0" algn="l" defTabSz="914400" rtl="0" eaLnBrk="1" latinLnBrk="1" hangingPunct="1">
+              <a:defRPr sz="1800" kern="1200">
+                <a:solidFill>
+                  <a:schemeClr val="tx1"/>
+                </a:solidFill>
+                <a:latin typeface="+mn-lt"/>
+                <a:ea typeface="+mn-ea"/>
+                <a:cs typeface="+mn-cs"/>
+              </a:defRPr>
+            </a:lvl1pPr>
+            <a:lvl2pPr marL="457200" algn="l" defTabSz="914400" rtl="0" eaLnBrk="1" latinLnBrk="1" hangingPunct="1">
+              <a:defRPr sz="1800" kern="1200">
+                <a:solidFill>
+                  <a:schemeClr val="tx1"/>
+                </a:solidFill>
+                <a:latin typeface="+mn-lt"/>
+                <a:ea typeface="+mn-ea"/>
+                <a:cs typeface="+mn-cs"/>
+              </a:defRPr>
+            </a:lvl2pPr>
+            <a:lvl3pPr marL="914400" algn="l" defTabSz="914400" rtl="0" eaLnBrk="1" latinLnBrk="1" hangingPunct="1">
+              <a:defRPr sz="1800" kern="1200">
+                <a:solidFill>
+                  <a:schemeClr val="tx1"/>
+                </a:solidFill>
+                <a:latin typeface="+mn-lt"/>
+                <a:ea typeface="+mn-ea"/>
+                <a:cs typeface="+mn-cs"/>
+              </a:defRPr>
+            </a:lvl3pPr>
+            <a:lvl4pPr marL="1371600" algn="l" defTabSz="914400" rtl="0" eaLnBrk="1" latinLnBrk="1" hangingPunct="1">
+              <a:defRPr sz="1800" kern="1200">
+                <a:solidFill>
+                  <a:schemeClr val="tx1"/>
+                </a:solidFill>
+                <a:latin typeface="+mn-lt"/>
+                <a:ea typeface="+mn-ea"/>
+                <a:cs typeface="+mn-cs"/>
+              </a:defRPr>
+            </a:lvl4pPr>
+            <a:lvl5pPr marL="1828800" algn="l" defTabSz="914400" rtl="0" eaLnBrk="1" latinLnBrk="1" hangingPunct="1">
+              <a:defRPr sz="1800" kern="1200">
+                <a:solidFill>
+                  <a:schemeClr val="tx1"/>
+                </a:solidFill>
+                <a:latin typeface="+mn-lt"/>
+                <a:ea typeface="+mn-ea"/>
+                <a:cs typeface="+mn-cs"/>
+              </a:defRPr>
+            </a:lvl5pPr>
+            <a:lvl6pPr marL="2286000" algn="l" defTabSz="914400" rtl="0" eaLnBrk="1" latinLnBrk="1" hangingPunct="1">
+              <a:defRPr sz="1800" kern="1200">
+                <a:solidFill>
+                  <a:schemeClr val="tx1"/>
+                </a:solidFill>
+                <a:latin typeface="+mn-lt"/>
+                <a:ea typeface="+mn-ea"/>
+                <a:cs typeface="+mn-cs"/>
+              </a:defRPr>
+            </a:lvl6pPr>
+            <a:lvl7pPr marL="2743200" algn="l" defTabSz="914400" rtl="0" eaLnBrk="1" latinLnBrk="1" hangingPunct="1">
+              <a:defRPr sz="1800" kern="1200">
+                <a:solidFill>
+                  <a:schemeClr val="tx1"/>
+                </a:solidFill>
+                <a:latin typeface="+mn-lt"/>
+                <a:ea typeface="+mn-ea"/>
+                <a:cs typeface="+mn-cs"/>
+              </a:defRPr>
+            </a:lvl7pPr>
+            <a:lvl8pPr marL="3200400" algn="l" defTabSz="914400" rtl="0" eaLnBrk="1" latinLnBrk="1" hangingPunct="1">
+              <a:defRPr sz="1800" kern="1200">
+                <a:solidFill>
+                  <a:schemeClr val="tx1"/>
+                </a:solidFill>
+                <a:latin typeface="+mn-lt"/>
+                <a:ea typeface="+mn-ea"/>
+                <a:cs typeface="+mn-cs"/>
+              </a:defRPr>
+            </a:lvl8pPr>
+            <a:lvl9pPr marL="3657600" algn="l" defTabSz="914400" rtl="0" eaLnBrk="1" latinLnBrk="1" hangingPunct="1">
+              <a:defRPr sz="1800" kern="1200">
+                <a:solidFill>
+                  <a:schemeClr val="tx1"/>
+                </a:solidFill>
+                <a:latin typeface="+mn-lt"/>
+                <a:ea typeface="+mn-ea"/>
+                <a:cs typeface="+mn-cs"/>
+              </a:defRPr>
+            </a:lvl9pPr>
+          </a:lstStyle>
+          <a:p>
+            <a:r>
+              <a:rPr lang="en-US" altLang="ko-KR" sz="1600" b="1" dirty="0">
+                <a:solidFill>
+                  <a:schemeClr val="bg1"/>
+                </a:solidFill>
+              </a:rPr>
+              <a:t>P345</a:t>
+            </a:r>
+            <a:endParaRPr lang="ko-KR" altLang="en-US" sz="1600" b="1" dirty="0">
+              <a:solidFill>
+                <a:schemeClr val="bg1"/>
+              </a:solidFill>
+            </a:endParaRPr>
+          </a:p>
+        </p:txBody>
+      </p:sp>
     </p:spTree>
     <p:extLst>
       <p:ext uri="{BB962C8B-B14F-4D97-AF65-F5344CB8AC3E}">
@@ -8615,6 +9029,144 @@
           </a:prstGeom>
         </p:spPr>
       </p:pic>
+      <p:sp>
+        <p:nvSpPr>
+          <p:cNvPr id="10" name="TextBox 5">
+            <a:extLst>
+              <a:ext uri="{FF2B5EF4-FFF2-40B4-BE49-F238E27FC236}">
+                <a16:creationId xmlns:a16="http://schemas.microsoft.com/office/drawing/2014/main" id="{7EC2467D-FECF-4E6D-B035-FCDEF8756705}"/>
+              </a:ext>
+            </a:extLst>
+          </p:cNvPr>
+          <p:cNvSpPr txBox="1"/>
+          <p:nvPr/>
+        </p:nvSpPr>
+        <p:spPr>
+          <a:xfrm>
+            <a:off x="11072646" y="394972"/>
+            <a:ext cx="667170" cy="338554"/>
+          </a:xfrm>
+          <a:prstGeom prst="rect">
+            <a:avLst/>
+          </a:prstGeom>
+          <a:noFill/>
+        </p:spPr>
+        <p:txBody>
+          <a:bodyPr wrap="none" rtlCol="0">
+            <a:spAutoFit/>
+          </a:bodyPr>
+          <a:lstStyle>
+            <a:defPPr>
+              <a:defRPr lang="ko-KR"/>
+            </a:defPPr>
+            <a:lvl1pPr marL="0" algn="l" defTabSz="914400" rtl="0" eaLnBrk="1" latinLnBrk="1" hangingPunct="1">
+              <a:defRPr sz="1800" kern="1200">
+                <a:solidFill>
+                  <a:schemeClr val="tx1"/>
+                </a:solidFill>
+                <a:latin typeface="+mn-lt"/>
+                <a:ea typeface="+mn-ea"/>
+                <a:cs typeface="+mn-cs"/>
+              </a:defRPr>
+            </a:lvl1pPr>
+            <a:lvl2pPr marL="457200" algn="l" defTabSz="914400" rtl="0" eaLnBrk="1" latinLnBrk="1" hangingPunct="1">
+              <a:defRPr sz="1800" kern="1200">
+                <a:solidFill>
+                  <a:schemeClr val="tx1"/>
+                </a:solidFill>
+                <a:latin typeface="+mn-lt"/>
+                <a:ea typeface="+mn-ea"/>
+                <a:cs typeface="+mn-cs"/>
+              </a:defRPr>
+            </a:lvl2pPr>
+            <a:lvl3pPr marL="914400" algn="l" defTabSz="914400" rtl="0" eaLnBrk="1" latinLnBrk="1" hangingPunct="1">
+              <a:defRPr sz="1800" kern="1200">
+                <a:solidFill>
+                  <a:schemeClr val="tx1"/>
+                </a:solidFill>
+                <a:latin typeface="+mn-lt"/>
+                <a:ea typeface="+mn-ea"/>
+                <a:cs typeface="+mn-cs"/>
+              </a:defRPr>
+            </a:lvl3pPr>
+            <a:lvl4pPr marL="1371600" algn="l" defTabSz="914400" rtl="0" eaLnBrk="1" latinLnBrk="1" hangingPunct="1">
+              <a:defRPr sz="1800" kern="1200">
+                <a:solidFill>
+                  <a:schemeClr val="tx1"/>
+                </a:solidFill>
+                <a:latin typeface="+mn-lt"/>
+                <a:ea typeface="+mn-ea"/>
+                <a:cs typeface="+mn-cs"/>
+              </a:defRPr>
+            </a:lvl4pPr>
+            <a:lvl5pPr marL="1828800" algn="l" defTabSz="914400" rtl="0" eaLnBrk="1" latinLnBrk="1" hangingPunct="1">
+              <a:defRPr sz="1800" kern="1200">
+                <a:solidFill>
+                  <a:schemeClr val="tx1"/>
+                </a:solidFill>
+                <a:latin typeface="+mn-lt"/>
+                <a:ea typeface="+mn-ea"/>
+                <a:cs typeface="+mn-cs"/>
+              </a:defRPr>
+            </a:lvl5pPr>
+            <a:lvl6pPr marL="2286000" algn="l" defTabSz="914400" rtl="0" eaLnBrk="1" latinLnBrk="1" hangingPunct="1">
+              <a:defRPr sz="1800" kern="1200">
+                <a:solidFill>
+                  <a:schemeClr val="tx1"/>
+                </a:solidFill>
+                <a:latin typeface="+mn-lt"/>
+                <a:ea typeface="+mn-ea"/>
+                <a:cs typeface="+mn-cs"/>
+              </a:defRPr>
+            </a:lvl6pPr>
+            <a:lvl7pPr marL="2743200" algn="l" defTabSz="914400" rtl="0" eaLnBrk="1" latinLnBrk="1" hangingPunct="1">
+              <a:defRPr sz="1800" kern="1200">
+                <a:solidFill>
+                  <a:schemeClr val="tx1"/>
+                </a:solidFill>
+                <a:latin typeface="+mn-lt"/>
+                <a:ea typeface="+mn-ea"/>
+                <a:cs typeface="+mn-cs"/>
+              </a:defRPr>
+            </a:lvl7pPr>
+            <a:lvl8pPr marL="3200400" algn="l" defTabSz="914400" rtl="0" eaLnBrk="1" latinLnBrk="1" hangingPunct="1">
+              <a:defRPr sz="1800" kern="1200">
+                <a:solidFill>
+                  <a:schemeClr val="tx1"/>
+                </a:solidFill>
+                <a:latin typeface="+mn-lt"/>
+                <a:ea typeface="+mn-ea"/>
+                <a:cs typeface="+mn-cs"/>
+              </a:defRPr>
+            </a:lvl8pPr>
+            <a:lvl9pPr marL="3657600" algn="l" defTabSz="914400" rtl="0" eaLnBrk="1" latinLnBrk="1" hangingPunct="1">
+              <a:defRPr sz="1800" kern="1200">
+                <a:solidFill>
+                  <a:schemeClr val="tx1"/>
+                </a:solidFill>
+                <a:latin typeface="+mn-lt"/>
+                <a:ea typeface="+mn-ea"/>
+                <a:cs typeface="+mn-cs"/>
+              </a:defRPr>
+            </a:lvl9pPr>
+          </a:lstStyle>
+          <a:p>
+            <a:r>
+              <a:rPr lang="en-US" altLang="ko-KR" sz="1600" b="1" dirty="0">
+                <a:solidFill>
+                  <a:schemeClr val="bg1"/>
+                </a:solidFill>
+              </a:rPr>
+              <a:t>P346</a:t>
+            </a:r>
+            <a:endParaRPr lang="ko-KR" altLang="en-US" sz="1600" b="1" dirty="0">
+              <a:solidFill>
+                <a:schemeClr val="bg1"/>
+              </a:solidFill>
+            </a:endParaRPr>
+          </a:p>
+        </p:txBody>
+      </p:sp>
     </p:spTree>
     <p:extLst>
       <p:ext uri="{BB962C8B-B14F-4D97-AF65-F5344CB8AC3E}">
@@ -9380,6 +9932,144 @@
           </a:prstGeom>
         </p:spPr>
       </p:pic>
+      <p:sp>
+        <p:nvSpPr>
+          <p:cNvPr id="17" name="TextBox 5">
+            <a:extLst>
+              <a:ext uri="{FF2B5EF4-FFF2-40B4-BE49-F238E27FC236}">
+                <a16:creationId xmlns:a16="http://schemas.microsoft.com/office/drawing/2014/main" id="{0B56868B-0568-463C-A55A-30C706D40D59}"/>
+              </a:ext>
+            </a:extLst>
+          </p:cNvPr>
+          <p:cNvSpPr txBox="1"/>
+          <p:nvPr/>
+        </p:nvSpPr>
+        <p:spPr>
+          <a:xfrm>
+            <a:off x="11072646" y="394972"/>
+            <a:ext cx="667170" cy="338554"/>
+          </a:xfrm>
+          <a:prstGeom prst="rect">
+            <a:avLst/>
+          </a:prstGeom>
+          <a:noFill/>
+        </p:spPr>
+        <p:txBody>
+          <a:bodyPr wrap="none" rtlCol="0">
+            <a:spAutoFit/>
+          </a:bodyPr>
+          <a:lstStyle>
+            <a:defPPr>
+              <a:defRPr lang="ko-KR"/>
+            </a:defPPr>
+            <a:lvl1pPr marL="0" algn="l" defTabSz="914400" rtl="0" eaLnBrk="1" latinLnBrk="1" hangingPunct="1">
+              <a:defRPr sz="1800" kern="1200">
+                <a:solidFill>
+                  <a:schemeClr val="tx1"/>
+                </a:solidFill>
+                <a:latin typeface="+mn-lt"/>
+                <a:ea typeface="+mn-ea"/>
+                <a:cs typeface="+mn-cs"/>
+              </a:defRPr>
+            </a:lvl1pPr>
+            <a:lvl2pPr marL="457200" algn="l" defTabSz="914400" rtl="0" eaLnBrk="1" latinLnBrk="1" hangingPunct="1">
+              <a:defRPr sz="1800" kern="1200">
+                <a:solidFill>
+                  <a:schemeClr val="tx1"/>
+                </a:solidFill>
+                <a:latin typeface="+mn-lt"/>
+                <a:ea typeface="+mn-ea"/>
+                <a:cs typeface="+mn-cs"/>
+              </a:defRPr>
+            </a:lvl2pPr>
+            <a:lvl3pPr marL="914400" algn="l" defTabSz="914400" rtl="0" eaLnBrk="1" latinLnBrk="1" hangingPunct="1">
+              <a:defRPr sz="1800" kern="1200">
+                <a:solidFill>
+                  <a:schemeClr val="tx1"/>
+                </a:solidFill>
+                <a:latin typeface="+mn-lt"/>
+                <a:ea typeface="+mn-ea"/>
+                <a:cs typeface="+mn-cs"/>
+              </a:defRPr>
+            </a:lvl3pPr>
+            <a:lvl4pPr marL="1371600" algn="l" defTabSz="914400" rtl="0" eaLnBrk="1" latinLnBrk="1" hangingPunct="1">
+              <a:defRPr sz="1800" kern="1200">
+                <a:solidFill>
+                  <a:schemeClr val="tx1"/>
+                </a:solidFill>
+                <a:latin typeface="+mn-lt"/>
+                <a:ea typeface="+mn-ea"/>
+                <a:cs typeface="+mn-cs"/>
+              </a:defRPr>
+            </a:lvl4pPr>
+            <a:lvl5pPr marL="1828800" algn="l" defTabSz="914400" rtl="0" eaLnBrk="1" latinLnBrk="1" hangingPunct="1">
+              <a:defRPr sz="1800" kern="1200">
+                <a:solidFill>
+                  <a:schemeClr val="tx1"/>
+                </a:solidFill>
+                <a:latin typeface="+mn-lt"/>
+                <a:ea typeface="+mn-ea"/>
+                <a:cs typeface="+mn-cs"/>
+              </a:defRPr>
+            </a:lvl5pPr>
+            <a:lvl6pPr marL="2286000" algn="l" defTabSz="914400" rtl="0" eaLnBrk="1" latinLnBrk="1" hangingPunct="1">
+              <a:defRPr sz="1800" kern="1200">
+                <a:solidFill>
+                  <a:schemeClr val="tx1"/>
+                </a:solidFill>
+                <a:latin typeface="+mn-lt"/>
+                <a:ea typeface="+mn-ea"/>
+                <a:cs typeface="+mn-cs"/>
+              </a:defRPr>
+            </a:lvl6pPr>
+            <a:lvl7pPr marL="2743200" algn="l" defTabSz="914400" rtl="0" eaLnBrk="1" latinLnBrk="1" hangingPunct="1">
+              <a:defRPr sz="1800" kern="1200">
+                <a:solidFill>
+                  <a:schemeClr val="tx1"/>
+                </a:solidFill>
+                <a:latin typeface="+mn-lt"/>
+                <a:ea typeface="+mn-ea"/>
+                <a:cs typeface="+mn-cs"/>
+              </a:defRPr>
+            </a:lvl7pPr>
+            <a:lvl8pPr marL="3200400" algn="l" defTabSz="914400" rtl="0" eaLnBrk="1" latinLnBrk="1" hangingPunct="1">
+              <a:defRPr sz="1800" kern="1200">
+                <a:solidFill>
+                  <a:schemeClr val="tx1"/>
+                </a:solidFill>
+                <a:latin typeface="+mn-lt"/>
+                <a:ea typeface="+mn-ea"/>
+                <a:cs typeface="+mn-cs"/>
+              </a:defRPr>
+            </a:lvl8pPr>
+            <a:lvl9pPr marL="3657600" algn="l" defTabSz="914400" rtl="0" eaLnBrk="1" latinLnBrk="1" hangingPunct="1">
+              <a:defRPr sz="1800" kern="1200">
+                <a:solidFill>
+                  <a:schemeClr val="tx1"/>
+                </a:solidFill>
+                <a:latin typeface="+mn-lt"/>
+                <a:ea typeface="+mn-ea"/>
+                <a:cs typeface="+mn-cs"/>
+              </a:defRPr>
+            </a:lvl9pPr>
+          </a:lstStyle>
+          <a:p>
+            <a:r>
+              <a:rPr lang="en-US" altLang="ko-KR" sz="1600" b="1" dirty="0">
+                <a:solidFill>
+                  <a:schemeClr val="bg1"/>
+                </a:solidFill>
+              </a:rPr>
+              <a:t>P346</a:t>
+            </a:r>
+            <a:endParaRPr lang="ko-KR" altLang="en-US" sz="1600" b="1" dirty="0">
+              <a:solidFill>
+                <a:schemeClr val="bg1"/>
+              </a:solidFill>
+            </a:endParaRPr>
+          </a:p>
+        </p:txBody>
+      </p:sp>
     </p:spTree>
     <p:extLst>
       <p:ext uri="{BB962C8B-B14F-4D97-AF65-F5344CB8AC3E}">
@@ -10899,6 +11589,144 @@
           </a:prstGeom>
         </p:spPr>
       </p:pic>
+      <p:sp>
+        <p:nvSpPr>
+          <p:cNvPr id="17" name="TextBox 5">
+            <a:extLst>
+              <a:ext uri="{FF2B5EF4-FFF2-40B4-BE49-F238E27FC236}">
+                <a16:creationId xmlns:a16="http://schemas.microsoft.com/office/drawing/2014/main" id="{9D7C71B0-F4F8-4CC3-9AE7-05A18FFF60C2}"/>
+              </a:ext>
+            </a:extLst>
+          </p:cNvPr>
+          <p:cNvSpPr txBox="1"/>
+          <p:nvPr/>
+        </p:nvSpPr>
+        <p:spPr>
+          <a:xfrm>
+            <a:off x="11072646" y="394972"/>
+            <a:ext cx="1107996" cy="338554"/>
+          </a:xfrm>
+          <a:prstGeom prst="rect">
+            <a:avLst/>
+          </a:prstGeom>
+          <a:noFill/>
+        </p:spPr>
+        <p:txBody>
+          <a:bodyPr wrap="none" rtlCol="0">
+            <a:spAutoFit/>
+          </a:bodyPr>
+          <a:lstStyle>
+            <a:defPPr>
+              <a:defRPr lang="ko-KR"/>
+            </a:defPPr>
+            <a:lvl1pPr marL="0" algn="l" defTabSz="914400" rtl="0" eaLnBrk="1" latinLnBrk="1" hangingPunct="1">
+              <a:defRPr sz="1800" kern="1200">
+                <a:solidFill>
+                  <a:schemeClr val="tx1"/>
+                </a:solidFill>
+                <a:latin typeface="+mn-lt"/>
+                <a:ea typeface="+mn-ea"/>
+                <a:cs typeface="+mn-cs"/>
+              </a:defRPr>
+            </a:lvl1pPr>
+            <a:lvl2pPr marL="457200" algn="l" defTabSz="914400" rtl="0" eaLnBrk="1" latinLnBrk="1" hangingPunct="1">
+              <a:defRPr sz="1800" kern="1200">
+                <a:solidFill>
+                  <a:schemeClr val="tx1"/>
+                </a:solidFill>
+                <a:latin typeface="+mn-lt"/>
+                <a:ea typeface="+mn-ea"/>
+                <a:cs typeface="+mn-cs"/>
+              </a:defRPr>
+            </a:lvl2pPr>
+            <a:lvl3pPr marL="914400" algn="l" defTabSz="914400" rtl="0" eaLnBrk="1" latinLnBrk="1" hangingPunct="1">
+              <a:defRPr sz="1800" kern="1200">
+                <a:solidFill>
+                  <a:schemeClr val="tx1"/>
+                </a:solidFill>
+                <a:latin typeface="+mn-lt"/>
+                <a:ea typeface="+mn-ea"/>
+                <a:cs typeface="+mn-cs"/>
+              </a:defRPr>
+            </a:lvl3pPr>
+            <a:lvl4pPr marL="1371600" algn="l" defTabSz="914400" rtl="0" eaLnBrk="1" latinLnBrk="1" hangingPunct="1">
+              <a:defRPr sz="1800" kern="1200">
+                <a:solidFill>
+                  <a:schemeClr val="tx1"/>
+                </a:solidFill>
+                <a:latin typeface="+mn-lt"/>
+                <a:ea typeface="+mn-ea"/>
+                <a:cs typeface="+mn-cs"/>
+              </a:defRPr>
+            </a:lvl4pPr>
+            <a:lvl5pPr marL="1828800" algn="l" defTabSz="914400" rtl="0" eaLnBrk="1" latinLnBrk="1" hangingPunct="1">
+              <a:defRPr sz="1800" kern="1200">
+                <a:solidFill>
+                  <a:schemeClr val="tx1"/>
+                </a:solidFill>
+                <a:latin typeface="+mn-lt"/>
+                <a:ea typeface="+mn-ea"/>
+                <a:cs typeface="+mn-cs"/>
+              </a:defRPr>
+            </a:lvl5pPr>
+            <a:lvl6pPr marL="2286000" algn="l" defTabSz="914400" rtl="0" eaLnBrk="1" latinLnBrk="1" hangingPunct="1">
+              <a:defRPr sz="1800" kern="1200">
+                <a:solidFill>
+                  <a:schemeClr val="tx1"/>
+                </a:solidFill>
+                <a:latin typeface="+mn-lt"/>
+                <a:ea typeface="+mn-ea"/>
+                <a:cs typeface="+mn-cs"/>
+              </a:defRPr>
+            </a:lvl6pPr>
+            <a:lvl7pPr marL="2743200" algn="l" defTabSz="914400" rtl="0" eaLnBrk="1" latinLnBrk="1" hangingPunct="1">
+              <a:defRPr sz="1800" kern="1200">
+                <a:solidFill>
+                  <a:schemeClr val="tx1"/>
+                </a:solidFill>
+                <a:latin typeface="+mn-lt"/>
+                <a:ea typeface="+mn-ea"/>
+                <a:cs typeface="+mn-cs"/>
+              </a:defRPr>
+            </a:lvl7pPr>
+            <a:lvl8pPr marL="3200400" algn="l" defTabSz="914400" rtl="0" eaLnBrk="1" latinLnBrk="1" hangingPunct="1">
+              <a:defRPr sz="1800" kern="1200">
+                <a:solidFill>
+                  <a:schemeClr val="tx1"/>
+                </a:solidFill>
+                <a:latin typeface="+mn-lt"/>
+                <a:ea typeface="+mn-ea"/>
+                <a:cs typeface="+mn-cs"/>
+              </a:defRPr>
+            </a:lvl8pPr>
+            <a:lvl9pPr marL="3657600" algn="l" defTabSz="914400" rtl="0" eaLnBrk="1" latinLnBrk="1" hangingPunct="1">
+              <a:defRPr sz="1800" kern="1200">
+                <a:solidFill>
+                  <a:schemeClr val="tx1"/>
+                </a:solidFill>
+                <a:latin typeface="+mn-lt"/>
+                <a:ea typeface="+mn-ea"/>
+                <a:cs typeface="+mn-cs"/>
+              </a:defRPr>
+            </a:lvl9pPr>
+          </a:lstStyle>
+          <a:p>
+            <a:r>
+              <a:rPr lang="en-US" altLang="ko-KR" sz="1600" b="1" dirty="0">
+                <a:solidFill>
+                  <a:schemeClr val="bg1"/>
+                </a:solidFill>
+              </a:rPr>
+              <a:t>P353-354</a:t>
+            </a:r>
+            <a:endParaRPr lang="ko-KR" altLang="en-US" sz="1600" b="1" dirty="0">
+              <a:solidFill>
+                <a:schemeClr val="bg1"/>
+              </a:solidFill>
+            </a:endParaRPr>
+          </a:p>
+        </p:txBody>
+      </p:sp>
     </p:spTree>
     <p:extLst>
       <p:ext uri="{BB962C8B-B14F-4D97-AF65-F5344CB8AC3E}">
@@ -12279,6 +13107,144 @@
           </a:prstGeom>
         </p:spPr>
       </p:pic>
+      <p:sp>
+        <p:nvSpPr>
+          <p:cNvPr id="18" name="TextBox 5">
+            <a:extLst>
+              <a:ext uri="{FF2B5EF4-FFF2-40B4-BE49-F238E27FC236}">
+                <a16:creationId xmlns:a16="http://schemas.microsoft.com/office/drawing/2014/main" id="{2684D25A-075B-42D9-A042-6AD1E58BC761}"/>
+              </a:ext>
+            </a:extLst>
+          </p:cNvPr>
+          <p:cNvSpPr txBox="1"/>
+          <p:nvPr/>
+        </p:nvSpPr>
+        <p:spPr>
+          <a:xfrm>
+            <a:off x="11072646" y="394972"/>
+            <a:ext cx="667170" cy="338554"/>
+          </a:xfrm>
+          <a:prstGeom prst="rect">
+            <a:avLst/>
+          </a:prstGeom>
+          <a:noFill/>
+        </p:spPr>
+        <p:txBody>
+          <a:bodyPr wrap="none" rtlCol="0">
+            <a:spAutoFit/>
+          </a:bodyPr>
+          <a:lstStyle>
+            <a:defPPr>
+              <a:defRPr lang="ko-KR"/>
+            </a:defPPr>
+            <a:lvl1pPr marL="0" algn="l" defTabSz="914400" rtl="0" eaLnBrk="1" latinLnBrk="1" hangingPunct="1">
+              <a:defRPr sz="1800" kern="1200">
+                <a:solidFill>
+                  <a:schemeClr val="tx1"/>
+                </a:solidFill>
+                <a:latin typeface="+mn-lt"/>
+                <a:ea typeface="+mn-ea"/>
+                <a:cs typeface="+mn-cs"/>
+              </a:defRPr>
+            </a:lvl1pPr>
+            <a:lvl2pPr marL="457200" algn="l" defTabSz="914400" rtl="0" eaLnBrk="1" latinLnBrk="1" hangingPunct="1">
+              <a:defRPr sz="1800" kern="1200">
+                <a:solidFill>
+                  <a:schemeClr val="tx1"/>
+                </a:solidFill>
+                <a:latin typeface="+mn-lt"/>
+                <a:ea typeface="+mn-ea"/>
+                <a:cs typeface="+mn-cs"/>
+              </a:defRPr>
+            </a:lvl2pPr>
+            <a:lvl3pPr marL="914400" algn="l" defTabSz="914400" rtl="0" eaLnBrk="1" latinLnBrk="1" hangingPunct="1">
+              <a:defRPr sz="1800" kern="1200">
+                <a:solidFill>
+                  <a:schemeClr val="tx1"/>
+                </a:solidFill>
+                <a:latin typeface="+mn-lt"/>
+                <a:ea typeface="+mn-ea"/>
+                <a:cs typeface="+mn-cs"/>
+              </a:defRPr>
+            </a:lvl3pPr>
+            <a:lvl4pPr marL="1371600" algn="l" defTabSz="914400" rtl="0" eaLnBrk="1" latinLnBrk="1" hangingPunct="1">
+              <a:defRPr sz="1800" kern="1200">
+                <a:solidFill>
+                  <a:schemeClr val="tx1"/>
+                </a:solidFill>
+                <a:latin typeface="+mn-lt"/>
+                <a:ea typeface="+mn-ea"/>
+                <a:cs typeface="+mn-cs"/>
+              </a:defRPr>
+            </a:lvl4pPr>
+            <a:lvl5pPr marL="1828800" algn="l" defTabSz="914400" rtl="0" eaLnBrk="1" latinLnBrk="1" hangingPunct="1">
+              <a:defRPr sz="1800" kern="1200">
+                <a:solidFill>
+                  <a:schemeClr val="tx1"/>
+                </a:solidFill>
+                <a:latin typeface="+mn-lt"/>
+                <a:ea typeface="+mn-ea"/>
+                <a:cs typeface="+mn-cs"/>
+              </a:defRPr>
+            </a:lvl5pPr>
+            <a:lvl6pPr marL="2286000" algn="l" defTabSz="914400" rtl="0" eaLnBrk="1" latinLnBrk="1" hangingPunct="1">
+              <a:defRPr sz="1800" kern="1200">
+                <a:solidFill>
+                  <a:schemeClr val="tx1"/>
+                </a:solidFill>
+                <a:latin typeface="+mn-lt"/>
+                <a:ea typeface="+mn-ea"/>
+                <a:cs typeface="+mn-cs"/>
+              </a:defRPr>
+            </a:lvl6pPr>
+            <a:lvl7pPr marL="2743200" algn="l" defTabSz="914400" rtl="0" eaLnBrk="1" latinLnBrk="1" hangingPunct="1">
+              <a:defRPr sz="1800" kern="1200">
+                <a:solidFill>
+                  <a:schemeClr val="tx1"/>
+                </a:solidFill>
+                <a:latin typeface="+mn-lt"/>
+                <a:ea typeface="+mn-ea"/>
+                <a:cs typeface="+mn-cs"/>
+              </a:defRPr>
+            </a:lvl7pPr>
+            <a:lvl8pPr marL="3200400" algn="l" defTabSz="914400" rtl="0" eaLnBrk="1" latinLnBrk="1" hangingPunct="1">
+              <a:defRPr sz="1800" kern="1200">
+                <a:solidFill>
+                  <a:schemeClr val="tx1"/>
+                </a:solidFill>
+                <a:latin typeface="+mn-lt"/>
+                <a:ea typeface="+mn-ea"/>
+                <a:cs typeface="+mn-cs"/>
+              </a:defRPr>
+            </a:lvl8pPr>
+            <a:lvl9pPr marL="3657600" algn="l" defTabSz="914400" rtl="0" eaLnBrk="1" latinLnBrk="1" hangingPunct="1">
+              <a:defRPr sz="1800" kern="1200">
+                <a:solidFill>
+                  <a:schemeClr val="tx1"/>
+                </a:solidFill>
+                <a:latin typeface="+mn-lt"/>
+                <a:ea typeface="+mn-ea"/>
+                <a:cs typeface="+mn-cs"/>
+              </a:defRPr>
+            </a:lvl9pPr>
+          </a:lstStyle>
+          <a:p>
+            <a:r>
+              <a:rPr lang="en-US" altLang="ko-KR" sz="1600" b="1" dirty="0">
+                <a:solidFill>
+                  <a:schemeClr val="bg1"/>
+                </a:solidFill>
+              </a:rPr>
+              <a:t>P357</a:t>
+            </a:r>
+            <a:endParaRPr lang="ko-KR" altLang="en-US" sz="1600" b="1" dirty="0">
+              <a:solidFill>
+                <a:schemeClr val="bg1"/>
+              </a:solidFill>
+            </a:endParaRPr>
+          </a:p>
+        </p:txBody>
+      </p:sp>
     </p:spTree>
     <p:extLst>
       <p:ext uri="{BB962C8B-B14F-4D97-AF65-F5344CB8AC3E}">
@@ -14135,6 +15101,144 @@
           </a:prstGeom>
         </p:spPr>
       </p:pic>
+      <p:sp>
+        <p:nvSpPr>
+          <p:cNvPr id="17" name="TextBox 5">
+            <a:extLst>
+              <a:ext uri="{FF2B5EF4-FFF2-40B4-BE49-F238E27FC236}">
+                <a16:creationId xmlns:a16="http://schemas.microsoft.com/office/drawing/2014/main" id="{183D073D-B270-4B32-9AD2-FA2754C3B0B8}"/>
+              </a:ext>
+            </a:extLst>
+          </p:cNvPr>
+          <p:cNvSpPr txBox="1"/>
+          <p:nvPr/>
+        </p:nvSpPr>
+        <p:spPr>
+          <a:xfrm>
+            <a:off x="11072646" y="394972"/>
+            <a:ext cx="667170" cy="338554"/>
+          </a:xfrm>
+          <a:prstGeom prst="rect">
+            <a:avLst/>
+          </a:prstGeom>
+          <a:noFill/>
+        </p:spPr>
+        <p:txBody>
+          <a:bodyPr wrap="none" rtlCol="0">
+            <a:spAutoFit/>
+          </a:bodyPr>
+          <a:lstStyle>
+            <a:defPPr>
+              <a:defRPr lang="ko-KR"/>
+            </a:defPPr>
+            <a:lvl1pPr marL="0" algn="l" defTabSz="914400" rtl="0" eaLnBrk="1" latinLnBrk="1" hangingPunct="1">
+              <a:defRPr sz="1800" kern="1200">
+                <a:solidFill>
+                  <a:schemeClr val="tx1"/>
+                </a:solidFill>
+                <a:latin typeface="+mn-lt"/>
+                <a:ea typeface="+mn-ea"/>
+                <a:cs typeface="+mn-cs"/>
+              </a:defRPr>
+            </a:lvl1pPr>
+            <a:lvl2pPr marL="457200" algn="l" defTabSz="914400" rtl="0" eaLnBrk="1" latinLnBrk="1" hangingPunct="1">
+              <a:defRPr sz="1800" kern="1200">
+                <a:solidFill>
+                  <a:schemeClr val="tx1"/>
+                </a:solidFill>
+                <a:latin typeface="+mn-lt"/>
+                <a:ea typeface="+mn-ea"/>
+                <a:cs typeface="+mn-cs"/>
+              </a:defRPr>
+            </a:lvl2pPr>
+            <a:lvl3pPr marL="914400" algn="l" defTabSz="914400" rtl="0" eaLnBrk="1" latinLnBrk="1" hangingPunct="1">
+              <a:defRPr sz="1800" kern="1200">
+                <a:solidFill>
+                  <a:schemeClr val="tx1"/>
+                </a:solidFill>
+                <a:latin typeface="+mn-lt"/>
+                <a:ea typeface="+mn-ea"/>
+                <a:cs typeface="+mn-cs"/>
+              </a:defRPr>
+            </a:lvl3pPr>
+            <a:lvl4pPr marL="1371600" algn="l" defTabSz="914400" rtl="0" eaLnBrk="1" latinLnBrk="1" hangingPunct="1">
+              <a:defRPr sz="1800" kern="1200">
+                <a:solidFill>
+                  <a:schemeClr val="tx1"/>
+                </a:solidFill>
+                <a:latin typeface="+mn-lt"/>
+                <a:ea typeface="+mn-ea"/>
+                <a:cs typeface="+mn-cs"/>
+              </a:defRPr>
+            </a:lvl4pPr>
+            <a:lvl5pPr marL="1828800" algn="l" defTabSz="914400" rtl="0" eaLnBrk="1" latinLnBrk="1" hangingPunct="1">
+              <a:defRPr sz="1800" kern="1200">
+                <a:solidFill>
+                  <a:schemeClr val="tx1"/>
+                </a:solidFill>
+                <a:latin typeface="+mn-lt"/>
+                <a:ea typeface="+mn-ea"/>
+                <a:cs typeface="+mn-cs"/>
+              </a:defRPr>
+            </a:lvl5pPr>
+            <a:lvl6pPr marL="2286000" algn="l" defTabSz="914400" rtl="0" eaLnBrk="1" latinLnBrk="1" hangingPunct="1">
+              <a:defRPr sz="1800" kern="1200">
+                <a:solidFill>
+                  <a:schemeClr val="tx1"/>
+                </a:solidFill>
+                <a:latin typeface="+mn-lt"/>
+                <a:ea typeface="+mn-ea"/>
+                <a:cs typeface="+mn-cs"/>
+              </a:defRPr>
+            </a:lvl6pPr>
+            <a:lvl7pPr marL="2743200" algn="l" defTabSz="914400" rtl="0" eaLnBrk="1" latinLnBrk="1" hangingPunct="1">
+              <a:defRPr sz="1800" kern="1200">
+                <a:solidFill>
+                  <a:schemeClr val="tx1"/>
+                </a:solidFill>
+                <a:latin typeface="+mn-lt"/>
+                <a:ea typeface="+mn-ea"/>
+                <a:cs typeface="+mn-cs"/>
+              </a:defRPr>
+            </a:lvl7pPr>
+            <a:lvl8pPr marL="3200400" algn="l" defTabSz="914400" rtl="0" eaLnBrk="1" latinLnBrk="1" hangingPunct="1">
+              <a:defRPr sz="1800" kern="1200">
+                <a:solidFill>
+                  <a:schemeClr val="tx1"/>
+                </a:solidFill>
+                <a:latin typeface="+mn-lt"/>
+                <a:ea typeface="+mn-ea"/>
+                <a:cs typeface="+mn-cs"/>
+              </a:defRPr>
+            </a:lvl8pPr>
+            <a:lvl9pPr marL="3657600" algn="l" defTabSz="914400" rtl="0" eaLnBrk="1" latinLnBrk="1" hangingPunct="1">
+              <a:defRPr sz="1800" kern="1200">
+                <a:solidFill>
+                  <a:schemeClr val="tx1"/>
+                </a:solidFill>
+                <a:latin typeface="+mn-lt"/>
+                <a:ea typeface="+mn-ea"/>
+                <a:cs typeface="+mn-cs"/>
+              </a:defRPr>
+            </a:lvl9pPr>
+          </a:lstStyle>
+          <a:p>
+            <a:r>
+              <a:rPr lang="en-US" altLang="ko-KR" sz="1600" b="1" dirty="0">
+                <a:solidFill>
+                  <a:schemeClr val="bg1"/>
+                </a:solidFill>
+              </a:rPr>
+              <a:t>P360</a:t>
+            </a:r>
+            <a:endParaRPr lang="ko-KR" altLang="en-US" sz="1600" b="1" dirty="0">
+              <a:solidFill>
+                <a:schemeClr val="bg1"/>
+              </a:solidFill>
+            </a:endParaRPr>
+          </a:p>
+        </p:txBody>
+      </p:sp>
     </p:spTree>
     <p:extLst>
       <p:ext uri="{BB962C8B-B14F-4D97-AF65-F5344CB8AC3E}">
@@ -15589,6 +16693,144 @@
           </a:prstGeom>
         </p:spPr>
       </p:pic>
+      <p:sp>
+        <p:nvSpPr>
+          <p:cNvPr id="18" name="TextBox 5">
+            <a:extLst>
+              <a:ext uri="{FF2B5EF4-FFF2-40B4-BE49-F238E27FC236}">
+                <a16:creationId xmlns:a16="http://schemas.microsoft.com/office/drawing/2014/main" id="{209EBC4F-6ECB-4BAE-88BC-84A7F500EBAE}"/>
+              </a:ext>
+            </a:extLst>
+          </p:cNvPr>
+          <p:cNvSpPr txBox="1"/>
+          <p:nvPr/>
+        </p:nvSpPr>
+        <p:spPr>
+          <a:xfrm>
+            <a:off x="11072646" y="394972"/>
+            <a:ext cx="667170" cy="338554"/>
+          </a:xfrm>
+          <a:prstGeom prst="rect">
+            <a:avLst/>
+          </a:prstGeom>
+          <a:noFill/>
+        </p:spPr>
+        <p:txBody>
+          <a:bodyPr wrap="none" rtlCol="0">
+            <a:spAutoFit/>
+          </a:bodyPr>
+          <a:lstStyle>
+            <a:defPPr>
+              <a:defRPr lang="ko-KR"/>
+            </a:defPPr>
+            <a:lvl1pPr marL="0" algn="l" defTabSz="914400" rtl="0" eaLnBrk="1" latinLnBrk="1" hangingPunct="1">
+              <a:defRPr sz="1800" kern="1200">
+                <a:solidFill>
+                  <a:schemeClr val="tx1"/>
+                </a:solidFill>
+                <a:latin typeface="+mn-lt"/>
+                <a:ea typeface="+mn-ea"/>
+                <a:cs typeface="+mn-cs"/>
+              </a:defRPr>
+            </a:lvl1pPr>
+            <a:lvl2pPr marL="457200" algn="l" defTabSz="914400" rtl="0" eaLnBrk="1" latinLnBrk="1" hangingPunct="1">
+              <a:defRPr sz="1800" kern="1200">
+                <a:solidFill>
+                  <a:schemeClr val="tx1"/>
+                </a:solidFill>
+                <a:latin typeface="+mn-lt"/>
+                <a:ea typeface="+mn-ea"/>
+                <a:cs typeface="+mn-cs"/>
+              </a:defRPr>
+            </a:lvl2pPr>
+            <a:lvl3pPr marL="914400" algn="l" defTabSz="914400" rtl="0" eaLnBrk="1" latinLnBrk="1" hangingPunct="1">
+              <a:defRPr sz="1800" kern="1200">
+                <a:solidFill>
+                  <a:schemeClr val="tx1"/>
+                </a:solidFill>
+                <a:latin typeface="+mn-lt"/>
+                <a:ea typeface="+mn-ea"/>
+                <a:cs typeface="+mn-cs"/>
+              </a:defRPr>
+            </a:lvl3pPr>
+            <a:lvl4pPr marL="1371600" algn="l" defTabSz="914400" rtl="0" eaLnBrk="1" latinLnBrk="1" hangingPunct="1">
+              <a:defRPr sz="1800" kern="1200">
+                <a:solidFill>
+                  <a:schemeClr val="tx1"/>
+                </a:solidFill>
+                <a:latin typeface="+mn-lt"/>
+                <a:ea typeface="+mn-ea"/>
+                <a:cs typeface="+mn-cs"/>
+              </a:defRPr>
+            </a:lvl4pPr>
+            <a:lvl5pPr marL="1828800" algn="l" defTabSz="914400" rtl="0" eaLnBrk="1" latinLnBrk="1" hangingPunct="1">
+              <a:defRPr sz="1800" kern="1200">
+                <a:solidFill>
+                  <a:schemeClr val="tx1"/>
+                </a:solidFill>
+                <a:latin typeface="+mn-lt"/>
+                <a:ea typeface="+mn-ea"/>
+                <a:cs typeface="+mn-cs"/>
+              </a:defRPr>
+            </a:lvl5pPr>
+            <a:lvl6pPr marL="2286000" algn="l" defTabSz="914400" rtl="0" eaLnBrk="1" latinLnBrk="1" hangingPunct="1">
+              <a:defRPr sz="1800" kern="1200">
+                <a:solidFill>
+                  <a:schemeClr val="tx1"/>
+                </a:solidFill>
+                <a:latin typeface="+mn-lt"/>
+                <a:ea typeface="+mn-ea"/>
+                <a:cs typeface="+mn-cs"/>
+              </a:defRPr>
+            </a:lvl6pPr>
+            <a:lvl7pPr marL="2743200" algn="l" defTabSz="914400" rtl="0" eaLnBrk="1" latinLnBrk="1" hangingPunct="1">
+              <a:defRPr sz="1800" kern="1200">
+                <a:solidFill>
+                  <a:schemeClr val="tx1"/>
+                </a:solidFill>
+                <a:latin typeface="+mn-lt"/>
+                <a:ea typeface="+mn-ea"/>
+                <a:cs typeface="+mn-cs"/>
+              </a:defRPr>
+            </a:lvl7pPr>
+            <a:lvl8pPr marL="3200400" algn="l" defTabSz="914400" rtl="0" eaLnBrk="1" latinLnBrk="1" hangingPunct="1">
+              <a:defRPr sz="1800" kern="1200">
+                <a:solidFill>
+                  <a:schemeClr val="tx1"/>
+                </a:solidFill>
+                <a:latin typeface="+mn-lt"/>
+                <a:ea typeface="+mn-ea"/>
+                <a:cs typeface="+mn-cs"/>
+              </a:defRPr>
+            </a:lvl8pPr>
+            <a:lvl9pPr marL="3657600" algn="l" defTabSz="914400" rtl="0" eaLnBrk="1" latinLnBrk="1" hangingPunct="1">
+              <a:defRPr sz="1800" kern="1200">
+                <a:solidFill>
+                  <a:schemeClr val="tx1"/>
+                </a:solidFill>
+                <a:latin typeface="+mn-lt"/>
+                <a:ea typeface="+mn-ea"/>
+                <a:cs typeface="+mn-cs"/>
+              </a:defRPr>
+            </a:lvl9pPr>
+          </a:lstStyle>
+          <a:p>
+            <a:r>
+              <a:rPr lang="en-US" altLang="ko-KR" sz="1600" b="1" dirty="0">
+                <a:solidFill>
+                  <a:schemeClr val="bg1"/>
+                </a:solidFill>
+              </a:rPr>
+              <a:t>P363</a:t>
+            </a:r>
+            <a:endParaRPr lang="ko-KR" altLang="en-US" sz="1600" b="1" dirty="0">
+              <a:solidFill>
+                <a:schemeClr val="bg1"/>
+              </a:solidFill>
+            </a:endParaRPr>
+          </a:p>
+        </p:txBody>
+      </p:sp>
     </p:spTree>
     <p:extLst>
       <p:ext uri="{BB962C8B-B14F-4D97-AF65-F5344CB8AC3E}">
@@ -16495,6 +17737,144 @@
               <a:t>)</a:t>
             </a:r>
             <a:endParaRPr lang="ko-KR" altLang="en-US" sz="800"/>
+          </a:p>
+        </p:txBody>
+      </p:sp>
+      <p:sp>
+        <p:nvSpPr>
+          <p:cNvPr id="19" name="TextBox 5">
+            <a:extLst>
+              <a:ext uri="{FF2B5EF4-FFF2-40B4-BE49-F238E27FC236}">
+                <a16:creationId xmlns:a16="http://schemas.microsoft.com/office/drawing/2014/main" id="{9E9CD841-2122-4F3C-84ED-F46186438CAA}"/>
+              </a:ext>
+            </a:extLst>
+          </p:cNvPr>
+          <p:cNvSpPr txBox="1"/>
+          <p:nvPr/>
+        </p:nvSpPr>
+        <p:spPr>
+          <a:xfrm>
+            <a:off x="11072646" y="394972"/>
+            <a:ext cx="1107996" cy="338554"/>
+          </a:xfrm>
+          <a:prstGeom prst="rect">
+            <a:avLst/>
+          </a:prstGeom>
+          <a:noFill/>
+        </p:spPr>
+        <p:txBody>
+          <a:bodyPr wrap="none" rtlCol="0">
+            <a:spAutoFit/>
+          </a:bodyPr>
+          <a:lstStyle>
+            <a:defPPr>
+              <a:defRPr lang="ko-KR"/>
+            </a:defPPr>
+            <a:lvl1pPr marL="0" algn="l" defTabSz="914400" rtl="0" eaLnBrk="1" latinLnBrk="1" hangingPunct="1">
+              <a:defRPr sz="1800" kern="1200">
+                <a:solidFill>
+                  <a:schemeClr val="tx1"/>
+                </a:solidFill>
+                <a:latin typeface="+mn-lt"/>
+                <a:ea typeface="+mn-ea"/>
+                <a:cs typeface="+mn-cs"/>
+              </a:defRPr>
+            </a:lvl1pPr>
+            <a:lvl2pPr marL="457200" algn="l" defTabSz="914400" rtl="0" eaLnBrk="1" latinLnBrk="1" hangingPunct="1">
+              <a:defRPr sz="1800" kern="1200">
+                <a:solidFill>
+                  <a:schemeClr val="tx1"/>
+                </a:solidFill>
+                <a:latin typeface="+mn-lt"/>
+                <a:ea typeface="+mn-ea"/>
+                <a:cs typeface="+mn-cs"/>
+              </a:defRPr>
+            </a:lvl2pPr>
+            <a:lvl3pPr marL="914400" algn="l" defTabSz="914400" rtl="0" eaLnBrk="1" latinLnBrk="1" hangingPunct="1">
+              <a:defRPr sz="1800" kern="1200">
+                <a:solidFill>
+                  <a:schemeClr val="tx1"/>
+                </a:solidFill>
+                <a:latin typeface="+mn-lt"/>
+                <a:ea typeface="+mn-ea"/>
+                <a:cs typeface="+mn-cs"/>
+              </a:defRPr>
+            </a:lvl3pPr>
+            <a:lvl4pPr marL="1371600" algn="l" defTabSz="914400" rtl="0" eaLnBrk="1" latinLnBrk="1" hangingPunct="1">
+              <a:defRPr sz="1800" kern="1200">
+                <a:solidFill>
+                  <a:schemeClr val="tx1"/>
+                </a:solidFill>
+                <a:latin typeface="+mn-lt"/>
+                <a:ea typeface="+mn-ea"/>
+                <a:cs typeface="+mn-cs"/>
+              </a:defRPr>
+            </a:lvl4pPr>
+            <a:lvl5pPr marL="1828800" algn="l" defTabSz="914400" rtl="0" eaLnBrk="1" latinLnBrk="1" hangingPunct="1">
+              <a:defRPr sz="1800" kern="1200">
+                <a:solidFill>
+                  <a:schemeClr val="tx1"/>
+                </a:solidFill>
+                <a:latin typeface="+mn-lt"/>
+                <a:ea typeface="+mn-ea"/>
+                <a:cs typeface="+mn-cs"/>
+              </a:defRPr>
+            </a:lvl5pPr>
+            <a:lvl6pPr marL="2286000" algn="l" defTabSz="914400" rtl="0" eaLnBrk="1" latinLnBrk="1" hangingPunct="1">
+              <a:defRPr sz="1800" kern="1200">
+                <a:solidFill>
+                  <a:schemeClr val="tx1"/>
+                </a:solidFill>
+                <a:latin typeface="+mn-lt"/>
+                <a:ea typeface="+mn-ea"/>
+                <a:cs typeface="+mn-cs"/>
+              </a:defRPr>
+            </a:lvl6pPr>
+            <a:lvl7pPr marL="2743200" algn="l" defTabSz="914400" rtl="0" eaLnBrk="1" latinLnBrk="1" hangingPunct="1">
+              <a:defRPr sz="1800" kern="1200">
+                <a:solidFill>
+                  <a:schemeClr val="tx1"/>
+                </a:solidFill>
+                <a:latin typeface="+mn-lt"/>
+                <a:ea typeface="+mn-ea"/>
+                <a:cs typeface="+mn-cs"/>
+              </a:defRPr>
+            </a:lvl7pPr>
+            <a:lvl8pPr marL="3200400" algn="l" defTabSz="914400" rtl="0" eaLnBrk="1" latinLnBrk="1" hangingPunct="1">
+              <a:defRPr sz="1800" kern="1200">
+                <a:solidFill>
+                  <a:schemeClr val="tx1"/>
+                </a:solidFill>
+                <a:latin typeface="+mn-lt"/>
+                <a:ea typeface="+mn-ea"/>
+                <a:cs typeface="+mn-cs"/>
+              </a:defRPr>
+            </a:lvl8pPr>
+            <a:lvl9pPr marL="3657600" algn="l" defTabSz="914400" rtl="0" eaLnBrk="1" latinLnBrk="1" hangingPunct="1">
+              <a:defRPr sz="1800" kern="1200">
+                <a:solidFill>
+                  <a:schemeClr val="tx1"/>
+                </a:solidFill>
+                <a:latin typeface="+mn-lt"/>
+                <a:ea typeface="+mn-ea"/>
+                <a:cs typeface="+mn-cs"/>
+              </a:defRPr>
+            </a:lvl9pPr>
+          </a:lstStyle>
+          <a:p>
+            <a:r>
+              <a:rPr lang="en-US" altLang="ko-KR" sz="1600" b="1" dirty="0">
+                <a:solidFill>
+                  <a:schemeClr val="bg1"/>
+                </a:solidFill>
+              </a:rPr>
+              <a:t>P365-366</a:t>
+            </a:r>
+            <a:endParaRPr lang="ko-KR" altLang="en-US" sz="1600" b="1" dirty="0">
+              <a:solidFill>
+                <a:schemeClr val="bg1"/>
+              </a:solidFill>
+            </a:endParaRPr>
           </a:p>
         </p:txBody>
       </p:sp>
@@ -16874,6 +18254,144 @@
               <a:rPr lang="ko-KR" altLang="en-US" sz="1100"/>
               <a:t>우리가 보는 웹 사이트</a:t>
             </a:r>
+          </a:p>
+        </p:txBody>
+      </p:sp>
+      <p:sp>
+        <p:nvSpPr>
+          <p:cNvPr id="15" name="TextBox 5">
+            <a:extLst>
+              <a:ext uri="{FF2B5EF4-FFF2-40B4-BE49-F238E27FC236}">
+                <a16:creationId xmlns:a16="http://schemas.microsoft.com/office/drawing/2014/main" id="{EC22478A-7E1D-4B40-B9CD-E31DCC88355D}"/>
+              </a:ext>
+            </a:extLst>
+          </p:cNvPr>
+          <p:cNvSpPr txBox="1"/>
+          <p:nvPr/>
+        </p:nvSpPr>
+        <p:spPr>
+          <a:xfrm>
+            <a:off x="11072646" y="394972"/>
+            <a:ext cx="667170" cy="338554"/>
+          </a:xfrm>
+          <a:prstGeom prst="rect">
+            <a:avLst/>
+          </a:prstGeom>
+          <a:noFill/>
+        </p:spPr>
+        <p:txBody>
+          <a:bodyPr wrap="none" rtlCol="0">
+            <a:spAutoFit/>
+          </a:bodyPr>
+          <a:lstStyle>
+            <a:defPPr>
+              <a:defRPr lang="ko-KR"/>
+            </a:defPPr>
+            <a:lvl1pPr marL="0" algn="l" defTabSz="914400" rtl="0" eaLnBrk="1" latinLnBrk="1" hangingPunct="1">
+              <a:defRPr sz="1800" kern="1200">
+                <a:solidFill>
+                  <a:schemeClr val="tx1"/>
+                </a:solidFill>
+                <a:latin typeface="+mn-lt"/>
+                <a:ea typeface="+mn-ea"/>
+                <a:cs typeface="+mn-cs"/>
+              </a:defRPr>
+            </a:lvl1pPr>
+            <a:lvl2pPr marL="457200" algn="l" defTabSz="914400" rtl="0" eaLnBrk="1" latinLnBrk="1" hangingPunct="1">
+              <a:defRPr sz="1800" kern="1200">
+                <a:solidFill>
+                  <a:schemeClr val="tx1"/>
+                </a:solidFill>
+                <a:latin typeface="+mn-lt"/>
+                <a:ea typeface="+mn-ea"/>
+                <a:cs typeface="+mn-cs"/>
+              </a:defRPr>
+            </a:lvl2pPr>
+            <a:lvl3pPr marL="914400" algn="l" defTabSz="914400" rtl="0" eaLnBrk="1" latinLnBrk="1" hangingPunct="1">
+              <a:defRPr sz="1800" kern="1200">
+                <a:solidFill>
+                  <a:schemeClr val="tx1"/>
+                </a:solidFill>
+                <a:latin typeface="+mn-lt"/>
+                <a:ea typeface="+mn-ea"/>
+                <a:cs typeface="+mn-cs"/>
+              </a:defRPr>
+            </a:lvl3pPr>
+            <a:lvl4pPr marL="1371600" algn="l" defTabSz="914400" rtl="0" eaLnBrk="1" latinLnBrk="1" hangingPunct="1">
+              <a:defRPr sz="1800" kern="1200">
+                <a:solidFill>
+                  <a:schemeClr val="tx1"/>
+                </a:solidFill>
+                <a:latin typeface="+mn-lt"/>
+                <a:ea typeface="+mn-ea"/>
+                <a:cs typeface="+mn-cs"/>
+              </a:defRPr>
+            </a:lvl4pPr>
+            <a:lvl5pPr marL="1828800" algn="l" defTabSz="914400" rtl="0" eaLnBrk="1" latinLnBrk="1" hangingPunct="1">
+              <a:defRPr sz="1800" kern="1200">
+                <a:solidFill>
+                  <a:schemeClr val="tx1"/>
+                </a:solidFill>
+                <a:latin typeface="+mn-lt"/>
+                <a:ea typeface="+mn-ea"/>
+                <a:cs typeface="+mn-cs"/>
+              </a:defRPr>
+            </a:lvl5pPr>
+            <a:lvl6pPr marL="2286000" algn="l" defTabSz="914400" rtl="0" eaLnBrk="1" latinLnBrk="1" hangingPunct="1">
+              <a:defRPr sz="1800" kern="1200">
+                <a:solidFill>
+                  <a:schemeClr val="tx1"/>
+                </a:solidFill>
+                <a:latin typeface="+mn-lt"/>
+                <a:ea typeface="+mn-ea"/>
+                <a:cs typeface="+mn-cs"/>
+              </a:defRPr>
+            </a:lvl6pPr>
+            <a:lvl7pPr marL="2743200" algn="l" defTabSz="914400" rtl="0" eaLnBrk="1" latinLnBrk="1" hangingPunct="1">
+              <a:defRPr sz="1800" kern="1200">
+                <a:solidFill>
+                  <a:schemeClr val="tx1"/>
+                </a:solidFill>
+                <a:latin typeface="+mn-lt"/>
+                <a:ea typeface="+mn-ea"/>
+                <a:cs typeface="+mn-cs"/>
+              </a:defRPr>
+            </a:lvl7pPr>
+            <a:lvl8pPr marL="3200400" algn="l" defTabSz="914400" rtl="0" eaLnBrk="1" latinLnBrk="1" hangingPunct="1">
+              <a:defRPr sz="1800" kern="1200">
+                <a:solidFill>
+                  <a:schemeClr val="tx1"/>
+                </a:solidFill>
+                <a:latin typeface="+mn-lt"/>
+                <a:ea typeface="+mn-ea"/>
+                <a:cs typeface="+mn-cs"/>
+              </a:defRPr>
+            </a:lvl8pPr>
+            <a:lvl9pPr marL="3657600" algn="l" defTabSz="914400" rtl="0" eaLnBrk="1" latinLnBrk="1" hangingPunct="1">
+              <a:defRPr sz="1800" kern="1200">
+                <a:solidFill>
+                  <a:schemeClr val="tx1"/>
+                </a:solidFill>
+                <a:latin typeface="+mn-lt"/>
+                <a:ea typeface="+mn-ea"/>
+                <a:cs typeface="+mn-cs"/>
+              </a:defRPr>
+            </a:lvl9pPr>
+          </a:lstStyle>
+          <a:p>
+            <a:r>
+              <a:rPr lang="en-US" altLang="ko-KR" sz="1600" b="1" dirty="0">
+                <a:solidFill>
+                  <a:schemeClr val="bg1"/>
+                </a:solidFill>
+              </a:rPr>
+              <a:t>P327</a:t>
+            </a:r>
+            <a:endParaRPr lang="ko-KR" altLang="en-US" sz="1600" b="1" dirty="0">
+              <a:solidFill>
+                <a:schemeClr val="bg1"/>
+              </a:solidFill>
+            </a:endParaRPr>
           </a:p>
         </p:txBody>
       </p:sp>
@@ -17134,6 +18652,144 @@
           </a:p>
         </p:txBody>
       </p:sp>
+      <p:sp>
+        <p:nvSpPr>
+          <p:cNvPr id="9" name="TextBox 5">
+            <a:extLst>
+              <a:ext uri="{FF2B5EF4-FFF2-40B4-BE49-F238E27FC236}">
+                <a16:creationId xmlns:a16="http://schemas.microsoft.com/office/drawing/2014/main" id="{F8104153-EB24-48A4-B245-357744D983E0}"/>
+              </a:ext>
+            </a:extLst>
+          </p:cNvPr>
+          <p:cNvSpPr txBox="1"/>
+          <p:nvPr/>
+        </p:nvSpPr>
+        <p:spPr>
+          <a:xfrm>
+            <a:off x="11072646" y="394972"/>
+            <a:ext cx="667170" cy="338554"/>
+          </a:xfrm>
+          <a:prstGeom prst="rect">
+            <a:avLst/>
+          </a:prstGeom>
+          <a:noFill/>
+        </p:spPr>
+        <p:txBody>
+          <a:bodyPr wrap="none" rtlCol="0">
+            <a:spAutoFit/>
+          </a:bodyPr>
+          <a:lstStyle>
+            <a:defPPr>
+              <a:defRPr lang="ko-KR"/>
+            </a:defPPr>
+            <a:lvl1pPr marL="0" algn="l" defTabSz="914400" rtl="0" eaLnBrk="1" latinLnBrk="1" hangingPunct="1">
+              <a:defRPr sz="1800" kern="1200">
+                <a:solidFill>
+                  <a:schemeClr val="tx1"/>
+                </a:solidFill>
+                <a:latin typeface="+mn-lt"/>
+                <a:ea typeface="+mn-ea"/>
+                <a:cs typeface="+mn-cs"/>
+              </a:defRPr>
+            </a:lvl1pPr>
+            <a:lvl2pPr marL="457200" algn="l" defTabSz="914400" rtl="0" eaLnBrk="1" latinLnBrk="1" hangingPunct="1">
+              <a:defRPr sz="1800" kern="1200">
+                <a:solidFill>
+                  <a:schemeClr val="tx1"/>
+                </a:solidFill>
+                <a:latin typeface="+mn-lt"/>
+                <a:ea typeface="+mn-ea"/>
+                <a:cs typeface="+mn-cs"/>
+              </a:defRPr>
+            </a:lvl2pPr>
+            <a:lvl3pPr marL="914400" algn="l" defTabSz="914400" rtl="0" eaLnBrk="1" latinLnBrk="1" hangingPunct="1">
+              <a:defRPr sz="1800" kern="1200">
+                <a:solidFill>
+                  <a:schemeClr val="tx1"/>
+                </a:solidFill>
+                <a:latin typeface="+mn-lt"/>
+                <a:ea typeface="+mn-ea"/>
+                <a:cs typeface="+mn-cs"/>
+              </a:defRPr>
+            </a:lvl3pPr>
+            <a:lvl4pPr marL="1371600" algn="l" defTabSz="914400" rtl="0" eaLnBrk="1" latinLnBrk="1" hangingPunct="1">
+              <a:defRPr sz="1800" kern="1200">
+                <a:solidFill>
+                  <a:schemeClr val="tx1"/>
+                </a:solidFill>
+                <a:latin typeface="+mn-lt"/>
+                <a:ea typeface="+mn-ea"/>
+                <a:cs typeface="+mn-cs"/>
+              </a:defRPr>
+            </a:lvl4pPr>
+            <a:lvl5pPr marL="1828800" algn="l" defTabSz="914400" rtl="0" eaLnBrk="1" latinLnBrk="1" hangingPunct="1">
+              <a:defRPr sz="1800" kern="1200">
+                <a:solidFill>
+                  <a:schemeClr val="tx1"/>
+                </a:solidFill>
+                <a:latin typeface="+mn-lt"/>
+                <a:ea typeface="+mn-ea"/>
+                <a:cs typeface="+mn-cs"/>
+              </a:defRPr>
+            </a:lvl5pPr>
+            <a:lvl6pPr marL="2286000" algn="l" defTabSz="914400" rtl="0" eaLnBrk="1" latinLnBrk="1" hangingPunct="1">
+              <a:defRPr sz="1800" kern="1200">
+                <a:solidFill>
+                  <a:schemeClr val="tx1"/>
+                </a:solidFill>
+                <a:latin typeface="+mn-lt"/>
+                <a:ea typeface="+mn-ea"/>
+                <a:cs typeface="+mn-cs"/>
+              </a:defRPr>
+            </a:lvl6pPr>
+            <a:lvl7pPr marL="2743200" algn="l" defTabSz="914400" rtl="0" eaLnBrk="1" latinLnBrk="1" hangingPunct="1">
+              <a:defRPr sz="1800" kern="1200">
+                <a:solidFill>
+                  <a:schemeClr val="tx1"/>
+                </a:solidFill>
+                <a:latin typeface="+mn-lt"/>
+                <a:ea typeface="+mn-ea"/>
+                <a:cs typeface="+mn-cs"/>
+              </a:defRPr>
+            </a:lvl7pPr>
+            <a:lvl8pPr marL="3200400" algn="l" defTabSz="914400" rtl="0" eaLnBrk="1" latinLnBrk="1" hangingPunct="1">
+              <a:defRPr sz="1800" kern="1200">
+                <a:solidFill>
+                  <a:schemeClr val="tx1"/>
+                </a:solidFill>
+                <a:latin typeface="+mn-lt"/>
+                <a:ea typeface="+mn-ea"/>
+                <a:cs typeface="+mn-cs"/>
+              </a:defRPr>
+            </a:lvl8pPr>
+            <a:lvl9pPr marL="3657600" algn="l" defTabSz="914400" rtl="0" eaLnBrk="1" latinLnBrk="1" hangingPunct="1">
+              <a:defRPr sz="1800" kern="1200">
+                <a:solidFill>
+                  <a:schemeClr val="tx1"/>
+                </a:solidFill>
+                <a:latin typeface="+mn-lt"/>
+                <a:ea typeface="+mn-ea"/>
+                <a:cs typeface="+mn-cs"/>
+              </a:defRPr>
+            </a:lvl9pPr>
+          </a:lstStyle>
+          <a:p>
+            <a:r>
+              <a:rPr lang="en-US" altLang="ko-KR" sz="1600" b="1" dirty="0">
+                <a:solidFill>
+                  <a:schemeClr val="bg1"/>
+                </a:solidFill>
+              </a:rPr>
+              <a:t>P328</a:t>
+            </a:r>
+            <a:endParaRPr lang="ko-KR" altLang="en-US" sz="1600" b="1" dirty="0">
+              <a:solidFill>
+                <a:schemeClr val="bg1"/>
+              </a:solidFill>
+            </a:endParaRPr>
+          </a:p>
+        </p:txBody>
+      </p:sp>
     </p:spTree>
     <p:extLst>
       <p:ext uri="{BB962C8B-B14F-4D97-AF65-F5344CB8AC3E}">
@@ -19407,6 +21063,144 @@
           </a:prstGeom>
         </p:spPr>
       </p:pic>
+      <p:sp>
+        <p:nvSpPr>
+          <p:cNvPr id="9" name="TextBox 5">
+            <a:extLst>
+              <a:ext uri="{FF2B5EF4-FFF2-40B4-BE49-F238E27FC236}">
+                <a16:creationId xmlns:a16="http://schemas.microsoft.com/office/drawing/2014/main" id="{76D0A22F-4D43-4E15-B0D8-B3098BF76CA8}"/>
+              </a:ext>
+            </a:extLst>
+          </p:cNvPr>
+          <p:cNvSpPr txBox="1"/>
+          <p:nvPr/>
+        </p:nvSpPr>
+        <p:spPr>
+          <a:xfrm>
+            <a:off x="11072646" y="394972"/>
+            <a:ext cx="667170" cy="338554"/>
+          </a:xfrm>
+          <a:prstGeom prst="rect">
+            <a:avLst/>
+          </a:prstGeom>
+          <a:noFill/>
+        </p:spPr>
+        <p:txBody>
+          <a:bodyPr wrap="none" rtlCol="0">
+            <a:spAutoFit/>
+          </a:bodyPr>
+          <a:lstStyle>
+            <a:defPPr>
+              <a:defRPr lang="ko-KR"/>
+            </a:defPPr>
+            <a:lvl1pPr marL="0" algn="l" defTabSz="914400" rtl="0" eaLnBrk="1" latinLnBrk="1" hangingPunct="1">
+              <a:defRPr sz="1800" kern="1200">
+                <a:solidFill>
+                  <a:schemeClr val="tx1"/>
+                </a:solidFill>
+                <a:latin typeface="+mn-lt"/>
+                <a:ea typeface="+mn-ea"/>
+                <a:cs typeface="+mn-cs"/>
+              </a:defRPr>
+            </a:lvl1pPr>
+            <a:lvl2pPr marL="457200" algn="l" defTabSz="914400" rtl="0" eaLnBrk="1" latinLnBrk="1" hangingPunct="1">
+              <a:defRPr sz="1800" kern="1200">
+                <a:solidFill>
+                  <a:schemeClr val="tx1"/>
+                </a:solidFill>
+                <a:latin typeface="+mn-lt"/>
+                <a:ea typeface="+mn-ea"/>
+                <a:cs typeface="+mn-cs"/>
+              </a:defRPr>
+            </a:lvl2pPr>
+            <a:lvl3pPr marL="914400" algn="l" defTabSz="914400" rtl="0" eaLnBrk="1" latinLnBrk="1" hangingPunct="1">
+              <a:defRPr sz="1800" kern="1200">
+                <a:solidFill>
+                  <a:schemeClr val="tx1"/>
+                </a:solidFill>
+                <a:latin typeface="+mn-lt"/>
+                <a:ea typeface="+mn-ea"/>
+                <a:cs typeface="+mn-cs"/>
+              </a:defRPr>
+            </a:lvl3pPr>
+            <a:lvl4pPr marL="1371600" algn="l" defTabSz="914400" rtl="0" eaLnBrk="1" latinLnBrk="1" hangingPunct="1">
+              <a:defRPr sz="1800" kern="1200">
+                <a:solidFill>
+                  <a:schemeClr val="tx1"/>
+                </a:solidFill>
+                <a:latin typeface="+mn-lt"/>
+                <a:ea typeface="+mn-ea"/>
+                <a:cs typeface="+mn-cs"/>
+              </a:defRPr>
+            </a:lvl4pPr>
+            <a:lvl5pPr marL="1828800" algn="l" defTabSz="914400" rtl="0" eaLnBrk="1" latinLnBrk="1" hangingPunct="1">
+              <a:defRPr sz="1800" kern="1200">
+                <a:solidFill>
+                  <a:schemeClr val="tx1"/>
+                </a:solidFill>
+                <a:latin typeface="+mn-lt"/>
+                <a:ea typeface="+mn-ea"/>
+                <a:cs typeface="+mn-cs"/>
+              </a:defRPr>
+            </a:lvl5pPr>
+            <a:lvl6pPr marL="2286000" algn="l" defTabSz="914400" rtl="0" eaLnBrk="1" latinLnBrk="1" hangingPunct="1">
+              <a:defRPr sz="1800" kern="1200">
+                <a:solidFill>
+                  <a:schemeClr val="tx1"/>
+                </a:solidFill>
+                <a:latin typeface="+mn-lt"/>
+                <a:ea typeface="+mn-ea"/>
+                <a:cs typeface="+mn-cs"/>
+              </a:defRPr>
+            </a:lvl6pPr>
+            <a:lvl7pPr marL="2743200" algn="l" defTabSz="914400" rtl="0" eaLnBrk="1" latinLnBrk="1" hangingPunct="1">
+              <a:defRPr sz="1800" kern="1200">
+                <a:solidFill>
+                  <a:schemeClr val="tx1"/>
+                </a:solidFill>
+                <a:latin typeface="+mn-lt"/>
+                <a:ea typeface="+mn-ea"/>
+                <a:cs typeface="+mn-cs"/>
+              </a:defRPr>
+            </a:lvl7pPr>
+            <a:lvl8pPr marL="3200400" algn="l" defTabSz="914400" rtl="0" eaLnBrk="1" latinLnBrk="1" hangingPunct="1">
+              <a:defRPr sz="1800" kern="1200">
+                <a:solidFill>
+                  <a:schemeClr val="tx1"/>
+                </a:solidFill>
+                <a:latin typeface="+mn-lt"/>
+                <a:ea typeface="+mn-ea"/>
+                <a:cs typeface="+mn-cs"/>
+              </a:defRPr>
+            </a:lvl8pPr>
+            <a:lvl9pPr marL="3657600" algn="l" defTabSz="914400" rtl="0" eaLnBrk="1" latinLnBrk="1" hangingPunct="1">
+              <a:defRPr sz="1800" kern="1200">
+                <a:solidFill>
+                  <a:schemeClr val="tx1"/>
+                </a:solidFill>
+                <a:latin typeface="+mn-lt"/>
+                <a:ea typeface="+mn-ea"/>
+                <a:cs typeface="+mn-cs"/>
+              </a:defRPr>
+            </a:lvl9pPr>
+          </a:lstStyle>
+          <a:p>
+            <a:r>
+              <a:rPr lang="en-US" altLang="ko-KR" sz="1600" b="1" dirty="0">
+                <a:solidFill>
+                  <a:schemeClr val="bg1"/>
+                </a:solidFill>
+              </a:rPr>
+              <a:t>P330</a:t>
+            </a:r>
+            <a:endParaRPr lang="ko-KR" altLang="en-US" sz="1600" b="1" dirty="0">
+              <a:solidFill>
+                <a:schemeClr val="bg1"/>
+              </a:solidFill>
+            </a:endParaRPr>
+          </a:p>
+        </p:txBody>
+      </p:sp>
     </p:spTree>
     <p:extLst>
       <p:ext uri="{BB962C8B-B14F-4D97-AF65-F5344CB8AC3E}">
@@ -19633,6 +21427,144 @@
           </a:prstGeom>
         </p:spPr>
       </p:pic>
+      <p:sp>
+        <p:nvSpPr>
+          <p:cNvPr id="9" name="TextBox 5">
+            <a:extLst>
+              <a:ext uri="{FF2B5EF4-FFF2-40B4-BE49-F238E27FC236}">
+                <a16:creationId xmlns:a16="http://schemas.microsoft.com/office/drawing/2014/main" id="{7F592A1A-DC3D-4CCF-B1F4-18735F63CC45}"/>
+              </a:ext>
+            </a:extLst>
+          </p:cNvPr>
+          <p:cNvSpPr txBox="1"/>
+          <p:nvPr/>
+        </p:nvSpPr>
+        <p:spPr>
+          <a:xfrm>
+            <a:off x="11072646" y="394972"/>
+            <a:ext cx="667170" cy="338554"/>
+          </a:xfrm>
+          <a:prstGeom prst="rect">
+            <a:avLst/>
+          </a:prstGeom>
+          <a:noFill/>
+        </p:spPr>
+        <p:txBody>
+          <a:bodyPr wrap="none" rtlCol="0">
+            <a:spAutoFit/>
+          </a:bodyPr>
+          <a:lstStyle>
+            <a:defPPr>
+              <a:defRPr lang="ko-KR"/>
+            </a:defPPr>
+            <a:lvl1pPr marL="0" algn="l" defTabSz="914400" rtl="0" eaLnBrk="1" latinLnBrk="1" hangingPunct="1">
+              <a:defRPr sz="1800" kern="1200">
+                <a:solidFill>
+                  <a:schemeClr val="tx1"/>
+                </a:solidFill>
+                <a:latin typeface="+mn-lt"/>
+                <a:ea typeface="+mn-ea"/>
+                <a:cs typeface="+mn-cs"/>
+              </a:defRPr>
+            </a:lvl1pPr>
+            <a:lvl2pPr marL="457200" algn="l" defTabSz="914400" rtl="0" eaLnBrk="1" latinLnBrk="1" hangingPunct="1">
+              <a:defRPr sz="1800" kern="1200">
+                <a:solidFill>
+                  <a:schemeClr val="tx1"/>
+                </a:solidFill>
+                <a:latin typeface="+mn-lt"/>
+                <a:ea typeface="+mn-ea"/>
+                <a:cs typeface="+mn-cs"/>
+              </a:defRPr>
+            </a:lvl2pPr>
+            <a:lvl3pPr marL="914400" algn="l" defTabSz="914400" rtl="0" eaLnBrk="1" latinLnBrk="1" hangingPunct="1">
+              <a:defRPr sz="1800" kern="1200">
+                <a:solidFill>
+                  <a:schemeClr val="tx1"/>
+                </a:solidFill>
+                <a:latin typeface="+mn-lt"/>
+                <a:ea typeface="+mn-ea"/>
+                <a:cs typeface="+mn-cs"/>
+              </a:defRPr>
+            </a:lvl3pPr>
+            <a:lvl4pPr marL="1371600" algn="l" defTabSz="914400" rtl="0" eaLnBrk="1" latinLnBrk="1" hangingPunct="1">
+              <a:defRPr sz="1800" kern="1200">
+                <a:solidFill>
+                  <a:schemeClr val="tx1"/>
+                </a:solidFill>
+                <a:latin typeface="+mn-lt"/>
+                <a:ea typeface="+mn-ea"/>
+                <a:cs typeface="+mn-cs"/>
+              </a:defRPr>
+            </a:lvl4pPr>
+            <a:lvl5pPr marL="1828800" algn="l" defTabSz="914400" rtl="0" eaLnBrk="1" latinLnBrk="1" hangingPunct="1">
+              <a:defRPr sz="1800" kern="1200">
+                <a:solidFill>
+                  <a:schemeClr val="tx1"/>
+                </a:solidFill>
+                <a:latin typeface="+mn-lt"/>
+                <a:ea typeface="+mn-ea"/>
+                <a:cs typeface="+mn-cs"/>
+              </a:defRPr>
+            </a:lvl5pPr>
+            <a:lvl6pPr marL="2286000" algn="l" defTabSz="914400" rtl="0" eaLnBrk="1" latinLnBrk="1" hangingPunct="1">
+              <a:defRPr sz="1800" kern="1200">
+                <a:solidFill>
+                  <a:schemeClr val="tx1"/>
+                </a:solidFill>
+                <a:latin typeface="+mn-lt"/>
+                <a:ea typeface="+mn-ea"/>
+                <a:cs typeface="+mn-cs"/>
+              </a:defRPr>
+            </a:lvl6pPr>
+            <a:lvl7pPr marL="2743200" algn="l" defTabSz="914400" rtl="0" eaLnBrk="1" latinLnBrk="1" hangingPunct="1">
+              <a:defRPr sz="1800" kern="1200">
+                <a:solidFill>
+                  <a:schemeClr val="tx1"/>
+                </a:solidFill>
+                <a:latin typeface="+mn-lt"/>
+                <a:ea typeface="+mn-ea"/>
+                <a:cs typeface="+mn-cs"/>
+              </a:defRPr>
+            </a:lvl7pPr>
+            <a:lvl8pPr marL="3200400" algn="l" defTabSz="914400" rtl="0" eaLnBrk="1" latinLnBrk="1" hangingPunct="1">
+              <a:defRPr sz="1800" kern="1200">
+                <a:solidFill>
+                  <a:schemeClr val="tx1"/>
+                </a:solidFill>
+                <a:latin typeface="+mn-lt"/>
+                <a:ea typeface="+mn-ea"/>
+                <a:cs typeface="+mn-cs"/>
+              </a:defRPr>
+            </a:lvl8pPr>
+            <a:lvl9pPr marL="3657600" algn="l" defTabSz="914400" rtl="0" eaLnBrk="1" latinLnBrk="1" hangingPunct="1">
+              <a:defRPr sz="1800" kern="1200">
+                <a:solidFill>
+                  <a:schemeClr val="tx1"/>
+                </a:solidFill>
+                <a:latin typeface="+mn-lt"/>
+                <a:ea typeface="+mn-ea"/>
+                <a:cs typeface="+mn-cs"/>
+              </a:defRPr>
+            </a:lvl9pPr>
+          </a:lstStyle>
+          <a:p>
+            <a:r>
+              <a:rPr lang="en-US" altLang="ko-KR" sz="1600" b="1" dirty="0">
+                <a:solidFill>
+                  <a:schemeClr val="bg1"/>
+                </a:solidFill>
+              </a:rPr>
+              <a:t>P330</a:t>
+            </a:r>
+            <a:endParaRPr lang="ko-KR" altLang="en-US" sz="1600" b="1" dirty="0">
+              <a:solidFill>
+                <a:schemeClr val="bg1"/>
+              </a:solidFill>
+            </a:endParaRPr>
+          </a:p>
+        </p:txBody>
+      </p:sp>
     </p:spTree>
     <p:extLst>
       <p:ext uri="{BB962C8B-B14F-4D97-AF65-F5344CB8AC3E}">
@@ -20777,6 +22709,144 @@
           </a:fontRef>
         </p:style>
       </p:cxnSp>
+      <p:sp>
+        <p:nvSpPr>
+          <p:cNvPr id="12" name="TextBox 5">
+            <a:extLst>
+              <a:ext uri="{FF2B5EF4-FFF2-40B4-BE49-F238E27FC236}">
+                <a16:creationId xmlns:a16="http://schemas.microsoft.com/office/drawing/2014/main" id="{E133CD6F-D4F3-4B95-938A-AD70D1B26D91}"/>
+              </a:ext>
+            </a:extLst>
+          </p:cNvPr>
+          <p:cNvSpPr txBox="1"/>
+          <p:nvPr/>
+        </p:nvSpPr>
+        <p:spPr>
+          <a:xfrm>
+            <a:off x="11072646" y="394972"/>
+            <a:ext cx="1107996" cy="338554"/>
+          </a:xfrm>
+          <a:prstGeom prst="rect">
+            <a:avLst/>
+          </a:prstGeom>
+          <a:noFill/>
+        </p:spPr>
+        <p:txBody>
+          <a:bodyPr wrap="none" rtlCol="0">
+            <a:spAutoFit/>
+          </a:bodyPr>
+          <a:lstStyle>
+            <a:defPPr>
+              <a:defRPr lang="ko-KR"/>
+            </a:defPPr>
+            <a:lvl1pPr marL="0" algn="l" defTabSz="914400" rtl="0" eaLnBrk="1" latinLnBrk="1" hangingPunct="1">
+              <a:defRPr sz="1800" kern="1200">
+                <a:solidFill>
+                  <a:schemeClr val="tx1"/>
+                </a:solidFill>
+                <a:latin typeface="+mn-lt"/>
+                <a:ea typeface="+mn-ea"/>
+                <a:cs typeface="+mn-cs"/>
+              </a:defRPr>
+            </a:lvl1pPr>
+            <a:lvl2pPr marL="457200" algn="l" defTabSz="914400" rtl="0" eaLnBrk="1" latinLnBrk="1" hangingPunct="1">
+              <a:defRPr sz="1800" kern="1200">
+                <a:solidFill>
+                  <a:schemeClr val="tx1"/>
+                </a:solidFill>
+                <a:latin typeface="+mn-lt"/>
+                <a:ea typeface="+mn-ea"/>
+                <a:cs typeface="+mn-cs"/>
+              </a:defRPr>
+            </a:lvl2pPr>
+            <a:lvl3pPr marL="914400" algn="l" defTabSz="914400" rtl="0" eaLnBrk="1" latinLnBrk="1" hangingPunct="1">
+              <a:defRPr sz="1800" kern="1200">
+                <a:solidFill>
+                  <a:schemeClr val="tx1"/>
+                </a:solidFill>
+                <a:latin typeface="+mn-lt"/>
+                <a:ea typeface="+mn-ea"/>
+                <a:cs typeface="+mn-cs"/>
+              </a:defRPr>
+            </a:lvl3pPr>
+            <a:lvl4pPr marL="1371600" algn="l" defTabSz="914400" rtl="0" eaLnBrk="1" latinLnBrk="1" hangingPunct="1">
+              <a:defRPr sz="1800" kern="1200">
+                <a:solidFill>
+                  <a:schemeClr val="tx1"/>
+                </a:solidFill>
+                <a:latin typeface="+mn-lt"/>
+                <a:ea typeface="+mn-ea"/>
+                <a:cs typeface="+mn-cs"/>
+              </a:defRPr>
+            </a:lvl4pPr>
+            <a:lvl5pPr marL="1828800" algn="l" defTabSz="914400" rtl="0" eaLnBrk="1" latinLnBrk="1" hangingPunct="1">
+              <a:defRPr sz="1800" kern="1200">
+                <a:solidFill>
+                  <a:schemeClr val="tx1"/>
+                </a:solidFill>
+                <a:latin typeface="+mn-lt"/>
+                <a:ea typeface="+mn-ea"/>
+                <a:cs typeface="+mn-cs"/>
+              </a:defRPr>
+            </a:lvl5pPr>
+            <a:lvl6pPr marL="2286000" algn="l" defTabSz="914400" rtl="0" eaLnBrk="1" latinLnBrk="1" hangingPunct="1">
+              <a:defRPr sz="1800" kern="1200">
+                <a:solidFill>
+                  <a:schemeClr val="tx1"/>
+                </a:solidFill>
+                <a:latin typeface="+mn-lt"/>
+                <a:ea typeface="+mn-ea"/>
+                <a:cs typeface="+mn-cs"/>
+              </a:defRPr>
+            </a:lvl6pPr>
+            <a:lvl7pPr marL="2743200" algn="l" defTabSz="914400" rtl="0" eaLnBrk="1" latinLnBrk="1" hangingPunct="1">
+              <a:defRPr sz="1800" kern="1200">
+                <a:solidFill>
+                  <a:schemeClr val="tx1"/>
+                </a:solidFill>
+                <a:latin typeface="+mn-lt"/>
+                <a:ea typeface="+mn-ea"/>
+                <a:cs typeface="+mn-cs"/>
+              </a:defRPr>
+            </a:lvl7pPr>
+            <a:lvl8pPr marL="3200400" algn="l" defTabSz="914400" rtl="0" eaLnBrk="1" latinLnBrk="1" hangingPunct="1">
+              <a:defRPr sz="1800" kern="1200">
+                <a:solidFill>
+                  <a:schemeClr val="tx1"/>
+                </a:solidFill>
+                <a:latin typeface="+mn-lt"/>
+                <a:ea typeface="+mn-ea"/>
+                <a:cs typeface="+mn-cs"/>
+              </a:defRPr>
+            </a:lvl8pPr>
+            <a:lvl9pPr marL="3657600" algn="l" defTabSz="914400" rtl="0" eaLnBrk="1" latinLnBrk="1" hangingPunct="1">
+              <a:defRPr sz="1800" kern="1200">
+                <a:solidFill>
+                  <a:schemeClr val="tx1"/>
+                </a:solidFill>
+                <a:latin typeface="+mn-lt"/>
+                <a:ea typeface="+mn-ea"/>
+                <a:cs typeface="+mn-cs"/>
+              </a:defRPr>
+            </a:lvl9pPr>
+          </a:lstStyle>
+          <a:p>
+            <a:r>
+              <a:rPr lang="en-US" altLang="ko-KR" sz="1600" b="1" dirty="0">
+                <a:solidFill>
+                  <a:schemeClr val="bg1"/>
+                </a:solidFill>
+              </a:rPr>
+              <a:t>P331-332</a:t>
+            </a:r>
+            <a:endParaRPr lang="ko-KR" altLang="en-US" sz="1600" b="1" dirty="0">
+              <a:solidFill>
+                <a:schemeClr val="bg1"/>
+              </a:solidFill>
+            </a:endParaRPr>
+          </a:p>
+        </p:txBody>
+      </p:sp>
     </p:spTree>
     <p:extLst>
       <p:ext uri="{BB962C8B-B14F-4D97-AF65-F5344CB8AC3E}">
@@ -21133,6 +23203,144 @@
           </a:p>
         </p:txBody>
       </p:sp>
+      <p:sp>
+        <p:nvSpPr>
+          <p:cNvPr id="10" name="TextBox 5">
+            <a:extLst>
+              <a:ext uri="{FF2B5EF4-FFF2-40B4-BE49-F238E27FC236}">
+                <a16:creationId xmlns:a16="http://schemas.microsoft.com/office/drawing/2014/main" id="{041B4746-5BF8-42DF-9C99-1A614F3C6FCD}"/>
+              </a:ext>
+            </a:extLst>
+          </p:cNvPr>
+          <p:cNvSpPr txBox="1"/>
+          <p:nvPr/>
+        </p:nvSpPr>
+        <p:spPr>
+          <a:xfrm>
+            <a:off x="11072646" y="394972"/>
+            <a:ext cx="667170" cy="338554"/>
+          </a:xfrm>
+          <a:prstGeom prst="rect">
+            <a:avLst/>
+          </a:prstGeom>
+          <a:noFill/>
+        </p:spPr>
+        <p:txBody>
+          <a:bodyPr wrap="none" rtlCol="0">
+            <a:spAutoFit/>
+          </a:bodyPr>
+          <a:lstStyle>
+            <a:defPPr>
+              <a:defRPr lang="ko-KR"/>
+            </a:defPPr>
+            <a:lvl1pPr marL="0" algn="l" defTabSz="914400" rtl="0" eaLnBrk="1" latinLnBrk="1" hangingPunct="1">
+              <a:defRPr sz="1800" kern="1200">
+                <a:solidFill>
+                  <a:schemeClr val="tx1"/>
+                </a:solidFill>
+                <a:latin typeface="+mn-lt"/>
+                <a:ea typeface="+mn-ea"/>
+                <a:cs typeface="+mn-cs"/>
+              </a:defRPr>
+            </a:lvl1pPr>
+            <a:lvl2pPr marL="457200" algn="l" defTabSz="914400" rtl="0" eaLnBrk="1" latinLnBrk="1" hangingPunct="1">
+              <a:defRPr sz="1800" kern="1200">
+                <a:solidFill>
+                  <a:schemeClr val="tx1"/>
+                </a:solidFill>
+                <a:latin typeface="+mn-lt"/>
+                <a:ea typeface="+mn-ea"/>
+                <a:cs typeface="+mn-cs"/>
+              </a:defRPr>
+            </a:lvl2pPr>
+            <a:lvl3pPr marL="914400" algn="l" defTabSz="914400" rtl="0" eaLnBrk="1" latinLnBrk="1" hangingPunct="1">
+              <a:defRPr sz="1800" kern="1200">
+                <a:solidFill>
+                  <a:schemeClr val="tx1"/>
+                </a:solidFill>
+                <a:latin typeface="+mn-lt"/>
+                <a:ea typeface="+mn-ea"/>
+                <a:cs typeface="+mn-cs"/>
+              </a:defRPr>
+            </a:lvl3pPr>
+            <a:lvl4pPr marL="1371600" algn="l" defTabSz="914400" rtl="0" eaLnBrk="1" latinLnBrk="1" hangingPunct="1">
+              <a:defRPr sz="1800" kern="1200">
+                <a:solidFill>
+                  <a:schemeClr val="tx1"/>
+                </a:solidFill>
+                <a:latin typeface="+mn-lt"/>
+                <a:ea typeface="+mn-ea"/>
+                <a:cs typeface="+mn-cs"/>
+              </a:defRPr>
+            </a:lvl4pPr>
+            <a:lvl5pPr marL="1828800" algn="l" defTabSz="914400" rtl="0" eaLnBrk="1" latinLnBrk="1" hangingPunct="1">
+              <a:defRPr sz="1800" kern="1200">
+                <a:solidFill>
+                  <a:schemeClr val="tx1"/>
+                </a:solidFill>
+                <a:latin typeface="+mn-lt"/>
+                <a:ea typeface="+mn-ea"/>
+                <a:cs typeface="+mn-cs"/>
+              </a:defRPr>
+            </a:lvl5pPr>
+            <a:lvl6pPr marL="2286000" algn="l" defTabSz="914400" rtl="0" eaLnBrk="1" latinLnBrk="1" hangingPunct="1">
+              <a:defRPr sz="1800" kern="1200">
+                <a:solidFill>
+                  <a:schemeClr val="tx1"/>
+                </a:solidFill>
+                <a:latin typeface="+mn-lt"/>
+                <a:ea typeface="+mn-ea"/>
+                <a:cs typeface="+mn-cs"/>
+              </a:defRPr>
+            </a:lvl6pPr>
+            <a:lvl7pPr marL="2743200" algn="l" defTabSz="914400" rtl="0" eaLnBrk="1" latinLnBrk="1" hangingPunct="1">
+              <a:defRPr sz="1800" kern="1200">
+                <a:solidFill>
+                  <a:schemeClr val="tx1"/>
+                </a:solidFill>
+                <a:latin typeface="+mn-lt"/>
+                <a:ea typeface="+mn-ea"/>
+                <a:cs typeface="+mn-cs"/>
+              </a:defRPr>
+            </a:lvl7pPr>
+            <a:lvl8pPr marL="3200400" algn="l" defTabSz="914400" rtl="0" eaLnBrk="1" latinLnBrk="1" hangingPunct="1">
+              <a:defRPr sz="1800" kern="1200">
+                <a:solidFill>
+                  <a:schemeClr val="tx1"/>
+                </a:solidFill>
+                <a:latin typeface="+mn-lt"/>
+                <a:ea typeface="+mn-ea"/>
+                <a:cs typeface="+mn-cs"/>
+              </a:defRPr>
+            </a:lvl8pPr>
+            <a:lvl9pPr marL="3657600" algn="l" defTabSz="914400" rtl="0" eaLnBrk="1" latinLnBrk="1" hangingPunct="1">
+              <a:defRPr sz="1800" kern="1200">
+                <a:solidFill>
+                  <a:schemeClr val="tx1"/>
+                </a:solidFill>
+                <a:latin typeface="+mn-lt"/>
+                <a:ea typeface="+mn-ea"/>
+                <a:cs typeface="+mn-cs"/>
+              </a:defRPr>
+            </a:lvl9pPr>
+          </a:lstStyle>
+          <a:p>
+            <a:r>
+              <a:rPr lang="en-US" altLang="ko-KR" sz="1600" b="1" dirty="0">
+                <a:solidFill>
+                  <a:schemeClr val="bg1"/>
+                </a:solidFill>
+              </a:rPr>
+              <a:t>P337</a:t>
+            </a:r>
+            <a:endParaRPr lang="ko-KR" altLang="en-US" sz="1600" b="1" dirty="0">
+              <a:solidFill>
+                <a:schemeClr val="bg1"/>
+              </a:solidFill>
+            </a:endParaRPr>
+          </a:p>
+        </p:txBody>
+      </p:sp>
     </p:spTree>
     <p:extLst>
       <p:ext uri="{BB962C8B-B14F-4D97-AF65-F5344CB8AC3E}">
@@ -22171,6 +24379,144 @@
           </a:prstGeom>
         </p:spPr>
       </p:pic>
+      <p:sp>
+        <p:nvSpPr>
+          <p:cNvPr id="11" name="TextBox 5">
+            <a:extLst>
+              <a:ext uri="{FF2B5EF4-FFF2-40B4-BE49-F238E27FC236}">
+                <a16:creationId xmlns:a16="http://schemas.microsoft.com/office/drawing/2014/main" id="{6A8B3513-F273-47FF-9841-1A7AFBF6CCE3}"/>
+              </a:ext>
+            </a:extLst>
+          </p:cNvPr>
+          <p:cNvSpPr txBox="1"/>
+          <p:nvPr/>
+        </p:nvSpPr>
+        <p:spPr>
+          <a:xfrm>
+            <a:off x="11072646" y="394972"/>
+            <a:ext cx="667170" cy="338554"/>
+          </a:xfrm>
+          <a:prstGeom prst="rect">
+            <a:avLst/>
+          </a:prstGeom>
+          <a:noFill/>
+        </p:spPr>
+        <p:txBody>
+          <a:bodyPr wrap="none" rtlCol="0">
+            <a:spAutoFit/>
+          </a:bodyPr>
+          <a:lstStyle>
+            <a:defPPr>
+              <a:defRPr lang="ko-KR"/>
+            </a:defPPr>
+            <a:lvl1pPr marL="0" algn="l" defTabSz="914400" rtl="0" eaLnBrk="1" latinLnBrk="1" hangingPunct="1">
+              <a:defRPr sz="1800" kern="1200">
+                <a:solidFill>
+                  <a:schemeClr val="tx1"/>
+                </a:solidFill>
+                <a:latin typeface="+mn-lt"/>
+                <a:ea typeface="+mn-ea"/>
+                <a:cs typeface="+mn-cs"/>
+              </a:defRPr>
+            </a:lvl1pPr>
+            <a:lvl2pPr marL="457200" algn="l" defTabSz="914400" rtl="0" eaLnBrk="1" latinLnBrk="1" hangingPunct="1">
+              <a:defRPr sz="1800" kern="1200">
+                <a:solidFill>
+                  <a:schemeClr val="tx1"/>
+                </a:solidFill>
+                <a:latin typeface="+mn-lt"/>
+                <a:ea typeface="+mn-ea"/>
+                <a:cs typeface="+mn-cs"/>
+              </a:defRPr>
+            </a:lvl2pPr>
+            <a:lvl3pPr marL="914400" algn="l" defTabSz="914400" rtl="0" eaLnBrk="1" latinLnBrk="1" hangingPunct="1">
+              <a:defRPr sz="1800" kern="1200">
+                <a:solidFill>
+                  <a:schemeClr val="tx1"/>
+                </a:solidFill>
+                <a:latin typeface="+mn-lt"/>
+                <a:ea typeface="+mn-ea"/>
+                <a:cs typeface="+mn-cs"/>
+              </a:defRPr>
+            </a:lvl3pPr>
+            <a:lvl4pPr marL="1371600" algn="l" defTabSz="914400" rtl="0" eaLnBrk="1" latinLnBrk="1" hangingPunct="1">
+              <a:defRPr sz="1800" kern="1200">
+                <a:solidFill>
+                  <a:schemeClr val="tx1"/>
+                </a:solidFill>
+                <a:latin typeface="+mn-lt"/>
+                <a:ea typeface="+mn-ea"/>
+                <a:cs typeface="+mn-cs"/>
+              </a:defRPr>
+            </a:lvl4pPr>
+            <a:lvl5pPr marL="1828800" algn="l" defTabSz="914400" rtl="0" eaLnBrk="1" latinLnBrk="1" hangingPunct="1">
+              <a:defRPr sz="1800" kern="1200">
+                <a:solidFill>
+                  <a:schemeClr val="tx1"/>
+                </a:solidFill>
+                <a:latin typeface="+mn-lt"/>
+                <a:ea typeface="+mn-ea"/>
+                <a:cs typeface="+mn-cs"/>
+              </a:defRPr>
+            </a:lvl5pPr>
+            <a:lvl6pPr marL="2286000" algn="l" defTabSz="914400" rtl="0" eaLnBrk="1" latinLnBrk="1" hangingPunct="1">
+              <a:defRPr sz="1800" kern="1200">
+                <a:solidFill>
+                  <a:schemeClr val="tx1"/>
+                </a:solidFill>
+                <a:latin typeface="+mn-lt"/>
+                <a:ea typeface="+mn-ea"/>
+                <a:cs typeface="+mn-cs"/>
+              </a:defRPr>
+            </a:lvl6pPr>
+            <a:lvl7pPr marL="2743200" algn="l" defTabSz="914400" rtl="0" eaLnBrk="1" latinLnBrk="1" hangingPunct="1">
+              <a:defRPr sz="1800" kern="1200">
+                <a:solidFill>
+                  <a:schemeClr val="tx1"/>
+                </a:solidFill>
+                <a:latin typeface="+mn-lt"/>
+                <a:ea typeface="+mn-ea"/>
+                <a:cs typeface="+mn-cs"/>
+              </a:defRPr>
+            </a:lvl7pPr>
+            <a:lvl8pPr marL="3200400" algn="l" defTabSz="914400" rtl="0" eaLnBrk="1" latinLnBrk="1" hangingPunct="1">
+              <a:defRPr sz="1800" kern="1200">
+                <a:solidFill>
+                  <a:schemeClr val="tx1"/>
+                </a:solidFill>
+                <a:latin typeface="+mn-lt"/>
+                <a:ea typeface="+mn-ea"/>
+                <a:cs typeface="+mn-cs"/>
+              </a:defRPr>
+            </a:lvl8pPr>
+            <a:lvl9pPr marL="3657600" algn="l" defTabSz="914400" rtl="0" eaLnBrk="1" latinLnBrk="1" hangingPunct="1">
+              <a:defRPr sz="1800" kern="1200">
+                <a:solidFill>
+                  <a:schemeClr val="tx1"/>
+                </a:solidFill>
+                <a:latin typeface="+mn-lt"/>
+                <a:ea typeface="+mn-ea"/>
+                <a:cs typeface="+mn-cs"/>
+              </a:defRPr>
+            </a:lvl9pPr>
+          </a:lstStyle>
+          <a:p>
+            <a:r>
+              <a:rPr lang="en-US" altLang="ko-KR" sz="1600" b="1" dirty="0">
+                <a:solidFill>
+                  <a:schemeClr val="bg1"/>
+                </a:solidFill>
+              </a:rPr>
+              <a:t>P341</a:t>
+            </a:r>
+            <a:endParaRPr lang="ko-KR" altLang="en-US" sz="1600" b="1" dirty="0">
+              <a:solidFill>
+                <a:schemeClr val="bg1"/>
+              </a:solidFill>
+            </a:endParaRPr>
+          </a:p>
+        </p:txBody>
+      </p:sp>
     </p:spTree>
     <p:extLst>
       <p:ext uri="{BB962C8B-B14F-4D97-AF65-F5344CB8AC3E}">
@@ -23276,6 +25622,144 @@
           </a:prstGeom>
         </p:spPr>
       </p:pic>
+      <p:sp>
+        <p:nvSpPr>
+          <p:cNvPr id="8" name="TextBox 5">
+            <a:extLst>
+              <a:ext uri="{FF2B5EF4-FFF2-40B4-BE49-F238E27FC236}">
+                <a16:creationId xmlns:a16="http://schemas.microsoft.com/office/drawing/2014/main" id="{5D909657-07C7-4413-AE1C-45EDF21BD43D}"/>
+              </a:ext>
+            </a:extLst>
+          </p:cNvPr>
+          <p:cNvSpPr txBox="1"/>
+          <p:nvPr/>
+        </p:nvSpPr>
+        <p:spPr>
+          <a:xfrm>
+            <a:off x="11072646" y="394972"/>
+            <a:ext cx="667170" cy="338554"/>
+          </a:xfrm>
+          <a:prstGeom prst="rect">
+            <a:avLst/>
+          </a:prstGeom>
+          <a:noFill/>
+        </p:spPr>
+        <p:txBody>
+          <a:bodyPr wrap="none" rtlCol="0">
+            <a:spAutoFit/>
+          </a:bodyPr>
+          <a:lstStyle>
+            <a:defPPr>
+              <a:defRPr lang="ko-KR"/>
+            </a:defPPr>
+            <a:lvl1pPr marL="0" algn="l" defTabSz="914400" rtl="0" eaLnBrk="1" latinLnBrk="1" hangingPunct="1">
+              <a:defRPr sz="1800" kern="1200">
+                <a:solidFill>
+                  <a:schemeClr val="tx1"/>
+                </a:solidFill>
+                <a:latin typeface="+mn-lt"/>
+                <a:ea typeface="+mn-ea"/>
+                <a:cs typeface="+mn-cs"/>
+              </a:defRPr>
+            </a:lvl1pPr>
+            <a:lvl2pPr marL="457200" algn="l" defTabSz="914400" rtl="0" eaLnBrk="1" latinLnBrk="1" hangingPunct="1">
+              <a:defRPr sz="1800" kern="1200">
+                <a:solidFill>
+                  <a:schemeClr val="tx1"/>
+                </a:solidFill>
+                <a:latin typeface="+mn-lt"/>
+                <a:ea typeface="+mn-ea"/>
+                <a:cs typeface="+mn-cs"/>
+              </a:defRPr>
+            </a:lvl2pPr>
+            <a:lvl3pPr marL="914400" algn="l" defTabSz="914400" rtl="0" eaLnBrk="1" latinLnBrk="1" hangingPunct="1">
+              <a:defRPr sz="1800" kern="1200">
+                <a:solidFill>
+                  <a:schemeClr val="tx1"/>
+                </a:solidFill>
+                <a:latin typeface="+mn-lt"/>
+                <a:ea typeface="+mn-ea"/>
+                <a:cs typeface="+mn-cs"/>
+              </a:defRPr>
+            </a:lvl3pPr>
+            <a:lvl4pPr marL="1371600" algn="l" defTabSz="914400" rtl="0" eaLnBrk="1" latinLnBrk="1" hangingPunct="1">
+              <a:defRPr sz="1800" kern="1200">
+                <a:solidFill>
+                  <a:schemeClr val="tx1"/>
+                </a:solidFill>
+                <a:latin typeface="+mn-lt"/>
+                <a:ea typeface="+mn-ea"/>
+                <a:cs typeface="+mn-cs"/>
+              </a:defRPr>
+            </a:lvl4pPr>
+            <a:lvl5pPr marL="1828800" algn="l" defTabSz="914400" rtl="0" eaLnBrk="1" latinLnBrk="1" hangingPunct="1">
+              <a:defRPr sz="1800" kern="1200">
+                <a:solidFill>
+                  <a:schemeClr val="tx1"/>
+                </a:solidFill>
+                <a:latin typeface="+mn-lt"/>
+                <a:ea typeface="+mn-ea"/>
+                <a:cs typeface="+mn-cs"/>
+              </a:defRPr>
+            </a:lvl5pPr>
+            <a:lvl6pPr marL="2286000" algn="l" defTabSz="914400" rtl="0" eaLnBrk="1" latinLnBrk="1" hangingPunct="1">
+              <a:defRPr sz="1800" kern="1200">
+                <a:solidFill>
+                  <a:schemeClr val="tx1"/>
+                </a:solidFill>
+                <a:latin typeface="+mn-lt"/>
+                <a:ea typeface="+mn-ea"/>
+                <a:cs typeface="+mn-cs"/>
+              </a:defRPr>
+            </a:lvl6pPr>
+            <a:lvl7pPr marL="2743200" algn="l" defTabSz="914400" rtl="0" eaLnBrk="1" latinLnBrk="1" hangingPunct="1">
+              <a:defRPr sz="1800" kern="1200">
+                <a:solidFill>
+                  <a:schemeClr val="tx1"/>
+                </a:solidFill>
+                <a:latin typeface="+mn-lt"/>
+                <a:ea typeface="+mn-ea"/>
+                <a:cs typeface="+mn-cs"/>
+              </a:defRPr>
+            </a:lvl7pPr>
+            <a:lvl8pPr marL="3200400" algn="l" defTabSz="914400" rtl="0" eaLnBrk="1" latinLnBrk="1" hangingPunct="1">
+              <a:defRPr sz="1800" kern="1200">
+                <a:solidFill>
+                  <a:schemeClr val="tx1"/>
+                </a:solidFill>
+                <a:latin typeface="+mn-lt"/>
+                <a:ea typeface="+mn-ea"/>
+                <a:cs typeface="+mn-cs"/>
+              </a:defRPr>
+            </a:lvl8pPr>
+            <a:lvl9pPr marL="3657600" algn="l" defTabSz="914400" rtl="0" eaLnBrk="1" latinLnBrk="1" hangingPunct="1">
+              <a:defRPr sz="1800" kern="1200">
+                <a:solidFill>
+                  <a:schemeClr val="tx1"/>
+                </a:solidFill>
+                <a:latin typeface="+mn-lt"/>
+                <a:ea typeface="+mn-ea"/>
+                <a:cs typeface="+mn-cs"/>
+              </a:defRPr>
+            </a:lvl9pPr>
+          </a:lstStyle>
+          <a:p>
+            <a:r>
+              <a:rPr lang="en-US" altLang="ko-KR" sz="1600" b="1" dirty="0">
+                <a:solidFill>
+                  <a:schemeClr val="bg1"/>
+                </a:solidFill>
+              </a:rPr>
+              <a:t>P342</a:t>
+            </a:r>
+            <a:endParaRPr lang="ko-KR" altLang="en-US" sz="1600" b="1" dirty="0">
+              <a:solidFill>
+                <a:schemeClr val="bg1"/>
+              </a:solidFill>
+            </a:endParaRPr>
+          </a:p>
+        </p:txBody>
+      </p:sp>
     </p:spTree>
     <p:extLst>
       <p:ext uri="{BB962C8B-B14F-4D97-AF65-F5344CB8AC3E}">
